--- a/PGAS-Analyzer.pptx
+++ b/PGAS-Analyzer.pptx
@@ -5,24 +5,25 @@
     <p:sldMasterId id="2147483912" r:id="rId1"/>
   </p:sldMasterIdLst>
   <p:notesMasterIdLst>
-    <p:notesMasterId r:id="rId14"/>
+    <p:notesMasterId r:id="rId15"/>
   </p:notesMasterIdLst>
   <p:handoutMasterIdLst>
-    <p:handoutMasterId r:id="rId15"/>
+    <p:handoutMasterId r:id="rId16"/>
   </p:handoutMasterIdLst>
   <p:sldIdLst>
     <p:sldId id="256" r:id="rId2"/>
-    <p:sldId id="257" r:id="rId3"/>
-    <p:sldId id="272" r:id="rId4"/>
-    <p:sldId id="258" r:id="rId5"/>
-    <p:sldId id="276" r:id="rId6"/>
-    <p:sldId id="275" r:id="rId7"/>
-    <p:sldId id="261" r:id="rId8"/>
-    <p:sldId id="273" r:id="rId9"/>
-    <p:sldId id="268" r:id="rId10"/>
-    <p:sldId id="266" r:id="rId11"/>
-    <p:sldId id="264" r:id="rId12"/>
-    <p:sldId id="274" r:id="rId13"/>
+    <p:sldId id="278" r:id="rId3"/>
+    <p:sldId id="257" r:id="rId4"/>
+    <p:sldId id="272" r:id="rId5"/>
+    <p:sldId id="258" r:id="rId6"/>
+    <p:sldId id="277" r:id="rId7"/>
+    <p:sldId id="276" r:id="rId8"/>
+    <p:sldId id="275" r:id="rId9"/>
+    <p:sldId id="261" r:id="rId10"/>
+    <p:sldId id="273" r:id="rId11"/>
+    <p:sldId id="268" r:id="rId12"/>
+    <p:sldId id="266" r:id="rId13"/>
+    <p:sldId id="264" r:id="rId14"/>
   </p:sldIdLst>
   <p:sldSz cx="9144000" cy="6858000" type="screen4x3"/>
   <p:notesSz cx="6858000" cy="9144000"/>
@@ -706,7 +707,7 @@
           <a:p>
             <a:fld id="{689CB50F-1E04-014F-81B6-285FD1BAB429}" type="slidenum">
               <a:rPr lang="en-US" smtClean="0"/>
-              <a:t>4</a:t>
+              <a:t>5</a:t>
             </a:fld>
             <a:endParaRPr lang="en-US"/>
           </a:p>
@@ -770,121 +771,66 @@
           <a:lstStyle/>
           <a:p>
             <a:r>
-              <a:rPr lang="en-US" sz="1200" dirty="0" smtClean="0"/>
-              <a:t>Installation instructions:</a:t>
-            </a:r>
-          </a:p>
-          <a:p>
-            <a:endParaRPr lang="en-US" sz="1200" dirty="0" smtClean="0"/>
-          </a:p>
-          <a:p>
-            <a:r>
-              <a:rPr lang="en-US" sz="1200" dirty="0" smtClean="0"/>
-              <a:t>Install code2html 0.9.1</a:t>
-            </a:r>
-          </a:p>
-          <a:p>
-            <a:r>
-              <a:rPr lang="en-US" sz="1200" dirty="0" smtClean="0"/>
-              <a:t>http://</a:t>
-            </a:r>
-            <a:r>
-              <a:rPr lang="en-US" sz="1200" dirty="0" err="1" smtClean="0"/>
-              <a:t>www.palfrader.org</a:t>
-            </a:r>
-            <a:r>
-              <a:rPr lang="en-US" sz="1200" dirty="0" smtClean="0"/>
-              <a:t>/code2html/</a:t>
-            </a:r>
-          </a:p>
-          <a:p>
-            <a:r>
-              <a:rPr lang="en-US" sz="1200" dirty="0" smtClean="0"/>
-              <a:t>Use current .</a:t>
-            </a:r>
-            <a:r>
-              <a:rPr lang="en-US" sz="1200" dirty="0" err="1" smtClean="0"/>
-              <a:t>tar.gz</a:t>
-            </a:r>
-            <a:r>
-              <a:rPr lang="en-US" sz="1200" dirty="0" smtClean="0"/>
-              <a:t> file)</a:t>
-            </a:r>
-          </a:p>
-          <a:p>
-            <a:endParaRPr lang="en-US" sz="1200" dirty="0" smtClean="0"/>
-          </a:p>
-          <a:p>
-            <a:r>
-              <a:rPr lang="en-US" sz="1200" dirty="0" smtClean="0"/>
-              <a:t>Note: Make sure to add the path to 'code2html' to your $PATH</a:t>
-            </a:r>
-          </a:p>
-          <a:p>
-            <a:endParaRPr lang="en-US" sz="1200" dirty="0" smtClean="0"/>
-          </a:p>
-          <a:p>
-            <a:r>
-              <a:rPr lang="en-US" sz="1200" dirty="0" smtClean="0"/>
-              <a:t>Install </a:t>
-            </a:r>
-            <a:r>
-              <a:rPr lang="en-US" sz="1200" dirty="0" err="1" smtClean="0"/>
-              <a:t>graphviz</a:t>
-            </a:r>
-            <a:r>
-              <a:rPr lang="en-US" sz="1200" dirty="0" smtClean="0"/>
-              <a:t> 2.28.0</a:t>
-            </a:r>
-          </a:p>
-          <a:p>
-            <a:r>
-              <a:rPr lang="en-US" sz="1200" dirty="0" smtClean="0"/>
-              <a:t>http://</a:t>
-            </a:r>
-            <a:r>
-              <a:rPr lang="en-US" sz="1200" dirty="0" err="1" smtClean="0"/>
-              <a:t>www.graphviz.org</a:t>
-            </a:r>
-            <a:r>
-              <a:rPr lang="en-US" sz="1200" dirty="0" smtClean="0"/>
-              <a:t>/</a:t>
-            </a:r>
-          </a:p>
-          <a:p>
-            <a:r>
-              <a:rPr lang="en-US" sz="1200" dirty="0" smtClean="0"/>
-              <a:t>Use current .</a:t>
-            </a:r>
-            <a:r>
-              <a:rPr lang="en-US" sz="1200" dirty="0" err="1" smtClean="0"/>
-              <a:t>tar.gz</a:t>
-            </a:r>
-            <a:r>
-              <a:rPr lang="en-US" sz="1200" dirty="0" smtClean="0"/>
-              <a:t> file</a:t>
-            </a:r>
-          </a:p>
-          <a:p>
-            <a:endParaRPr lang="en-US" sz="1200" dirty="0" smtClean="0"/>
-          </a:p>
-          <a:p>
-            <a:r>
-              <a:rPr lang="en-US" sz="1200" dirty="0" smtClean="0"/>
-              <a:t>Recommended Configuration: ./configure --prefix=&lt;install directory&gt; --enable-python=no</a:t>
-            </a:r>
-          </a:p>
-          <a:p>
-            <a:r>
-              <a:rPr lang="en-US" sz="1200" dirty="0" smtClean="0"/>
-              <a:t>Note: Make sure to add the path to 'dot' to your $PATH</a:t>
-            </a:r>
-          </a:p>
-          <a:p>
-            <a:endParaRPr lang="en-US" sz="1200" dirty="0" smtClean="0"/>
-          </a:p>
-          <a:p>
-            <a:endParaRPr lang="en-US" sz="1200" dirty="0" smtClean="0"/>
+              <a:rPr lang="en-US" dirty="0" smtClean="0"/>
+              <a:t>- The </a:t>
+            </a:r>
+            <a:r>
+              <a:rPr lang="en-US" dirty="0" err="1" smtClean="0"/>
+              <a:t>OpenSHMEM</a:t>
+            </a:r>
+            <a:r>
+              <a:rPr lang="en-US" dirty="0" smtClean="0"/>
+              <a:t> Analyzer has an interactive</a:t>
+            </a:r>
+            <a:r>
+              <a:rPr lang="en-US" baseline="0" dirty="0" smtClean="0"/>
+              <a:t> </a:t>
+            </a:r>
+            <a:r>
+              <a:rPr lang="en-US" dirty="0" smtClean="0"/>
+              <a:t>component that provides a graphical user interface using HTML to display its output and to</a:t>
+            </a:r>
+            <a:r>
+              <a:rPr lang="en-US" baseline="0" dirty="0" smtClean="0"/>
+              <a:t> </a:t>
+            </a:r>
+            <a:r>
+              <a:rPr lang="en-US" dirty="0" smtClean="0"/>
+              <a:t>navigate the source code and error messages within them.</a:t>
+            </a:r>
+          </a:p>
+          <a:p>
+            <a:endParaRPr lang="en-US" dirty="0" smtClean="0"/>
+          </a:p>
+          <a:p>
+            <a:r>
+              <a:rPr lang="en-US" dirty="0" smtClean="0"/>
+              <a:t>-The current input</a:t>
+            </a:r>
+            <a:r>
+              <a:rPr lang="en-US" baseline="0" dirty="0" smtClean="0"/>
+              <a:t> </a:t>
+            </a:r>
+            <a:r>
+              <a:rPr lang="en-US" dirty="0" smtClean="0"/>
+              <a:t>languages for the </a:t>
+            </a:r>
+            <a:r>
+              <a:rPr lang="en-US" dirty="0" err="1" smtClean="0"/>
+              <a:t>OpenSHMEM</a:t>
+            </a:r>
+            <a:r>
+              <a:rPr lang="en-US" dirty="0" smtClean="0"/>
+              <a:t> Analyzer are C/C++, </a:t>
+            </a:r>
+            <a:r>
+              <a:rPr lang="en-US" dirty="0" err="1" smtClean="0"/>
+              <a:t>OpenSHMEM</a:t>
+            </a:r>
+            <a:r>
+              <a:rPr lang="en-US" dirty="0" smtClean="0"/>
+              <a:t> API 1.0.</a:t>
+            </a:r>
           </a:p>
           <a:p>
             <a:endParaRPr lang="en-US" dirty="0"/>
@@ -908,7 +854,7 @@
           <a:p>
             <a:fld id="{689CB50F-1E04-014F-81B6-285FD1BAB429}" type="slidenum">
               <a:rPr lang="en-US" smtClean="0"/>
-              <a:t>5</a:t>
+              <a:t>6</a:t>
             </a:fld>
             <a:endParaRPr lang="en-US"/>
           </a:p>
@@ -971,6 +917,124 @@
           <a:bodyPr/>
           <a:lstStyle/>
           <a:p>
+            <a:r>
+              <a:rPr lang="en-US" sz="1200" dirty="0" smtClean="0"/>
+              <a:t>Installation instructions:</a:t>
+            </a:r>
+          </a:p>
+          <a:p>
+            <a:endParaRPr lang="en-US" sz="1200" dirty="0" smtClean="0"/>
+          </a:p>
+          <a:p>
+            <a:r>
+              <a:rPr lang="en-US" sz="1200" dirty="0" smtClean="0"/>
+              <a:t>Install code2html 0.9.1</a:t>
+            </a:r>
+          </a:p>
+          <a:p>
+            <a:r>
+              <a:rPr lang="en-US" sz="1200" dirty="0" smtClean="0"/>
+              <a:t>http://</a:t>
+            </a:r>
+            <a:r>
+              <a:rPr lang="en-US" sz="1200" dirty="0" err="1" smtClean="0"/>
+              <a:t>www.palfrader.org</a:t>
+            </a:r>
+            <a:r>
+              <a:rPr lang="en-US" sz="1200" dirty="0" smtClean="0"/>
+              <a:t>/code2html/</a:t>
+            </a:r>
+          </a:p>
+          <a:p>
+            <a:r>
+              <a:rPr lang="en-US" sz="1200" dirty="0" smtClean="0"/>
+              <a:t>Use current .</a:t>
+            </a:r>
+            <a:r>
+              <a:rPr lang="en-US" sz="1200" dirty="0" err="1" smtClean="0"/>
+              <a:t>tar.gz</a:t>
+            </a:r>
+            <a:r>
+              <a:rPr lang="en-US" sz="1200" dirty="0" smtClean="0"/>
+              <a:t> file)</a:t>
+            </a:r>
+          </a:p>
+          <a:p>
+            <a:endParaRPr lang="en-US" sz="1200" dirty="0" smtClean="0"/>
+          </a:p>
+          <a:p>
+            <a:r>
+              <a:rPr lang="en-US" sz="1200" dirty="0" smtClean="0"/>
+              <a:t>Note: Make sure to add the path to 'code2html' to your $PATH</a:t>
+            </a:r>
+          </a:p>
+          <a:p>
+            <a:endParaRPr lang="en-US" sz="1200" dirty="0" smtClean="0"/>
+          </a:p>
+          <a:p>
+            <a:r>
+              <a:rPr lang="en-US" sz="1200" dirty="0" smtClean="0"/>
+              <a:t>Install </a:t>
+            </a:r>
+            <a:r>
+              <a:rPr lang="en-US" sz="1200" dirty="0" err="1" smtClean="0"/>
+              <a:t>graphviz</a:t>
+            </a:r>
+            <a:r>
+              <a:rPr lang="en-US" sz="1200" dirty="0" smtClean="0"/>
+              <a:t> 2.28.0</a:t>
+            </a:r>
+          </a:p>
+          <a:p>
+            <a:r>
+              <a:rPr lang="en-US" sz="1200" dirty="0" smtClean="0"/>
+              <a:t>http://</a:t>
+            </a:r>
+            <a:r>
+              <a:rPr lang="en-US" sz="1200" dirty="0" err="1" smtClean="0"/>
+              <a:t>www.graphviz.org</a:t>
+            </a:r>
+            <a:r>
+              <a:rPr lang="en-US" sz="1200" dirty="0" smtClean="0"/>
+              <a:t>/</a:t>
+            </a:r>
+          </a:p>
+          <a:p>
+            <a:r>
+              <a:rPr lang="en-US" sz="1200" dirty="0" smtClean="0"/>
+              <a:t>Use current .</a:t>
+            </a:r>
+            <a:r>
+              <a:rPr lang="en-US" sz="1200" dirty="0" err="1" smtClean="0"/>
+              <a:t>tar.gz</a:t>
+            </a:r>
+            <a:r>
+              <a:rPr lang="en-US" sz="1200" dirty="0" smtClean="0"/>
+              <a:t> file</a:t>
+            </a:r>
+          </a:p>
+          <a:p>
+            <a:endParaRPr lang="en-US" sz="1200" dirty="0" smtClean="0"/>
+          </a:p>
+          <a:p>
+            <a:r>
+              <a:rPr lang="en-US" sz="1200" dirty="0" smtClean="0"/>
+              <a:t>Recommended Configuration: ./configure --prefix=&lt;install directory&gt; --enable-python=no</a:t>
+            </a:r>
+          </a:p>
+          <a:p>
+            <a:r>
+              <a:rPr lang="en-US" sz="1200" dirty="0" smtClean="0"/>
+              <a:t>Note: Make sure to add the path to 'dot' to your $PATH</a:t>
+            </a:r>
+          </a:p>
+          <a:p>
+            <a:endParaRPr lang="en-US" sz="1200" dirty="0" smtClean="0"/>
+          </a:p>
+          <a:p>
+            <a:endParaRPr lang="en-US" sz="1200" dirty="0" smtClean="0"/>
+          </a:p>
+          <a:p>
             <a:endParaRPr lang="en-US" dirty="0"/>
           </a:p>
         </p:txBody>
@@ -992,7 +1056,7 @@
           <a:p>
             <a:fld id="{689CB50F-1E04-014F-81B6-285FD1BAB429}" type="slidenum">
               <a:rPr lang="en-US" smtClean="0"/>
-              <a:t>6</a:t>
+              <a:t>7</a:t>
             </a:fld>
             <a:endParaRPr lang="en-US"/>
           </a:p>
@@ -1055,124 +1119,6 @@
           <a:bodyPr/>
           <a:lstStyle/>
           <a:p>
-            <a:r>
-              <a:rPr lang="en-US" sz="1200" dirty="0" smtClean="0"/>
-              <a:t>Installation instructions:</a:t>
-            </a:r>
-          </a:p>
-          <a:p>
-            <a:endParaRPr lang="en-US" sz="1200" dirty="0" smtClean="0"/>
-          </a:p>
-          <a:p>
-            <a:r>
-              <a:rPr lang="en-US" sz="1200" dirty="0" smtClean="0"/>
-              <a:t>Install code2html 0.9.1</a:t>
-            </a:r>
-          </a:p>
-          <a:p>
-            <a:r>
-              <a:rPr lang="en-US" sz="1200" dirty="0" smtClean="0"/>
-              <a:t>http://</a:t>
-            </a:r>
-            <a:r>
-              <a:rPr lang="en-US" sz="1200" dirty="0" err="1" smtClean="0"/>
-              <a:t>www.palfrader.org</a:t>
-            </a:r>
-            <a:r>
-              <a:rPr lang="en-US" sz="1200" dirty="0" smtClean="0"/>
-              <a:t>/code2html/</a:t>
-            </a:r>
-          </a:p>
-          <a:p>
-            <a:r>
-              <a:rPr lang="en-US" sz="1200" dirty="0" smtClean="0"/>
-              <a:t>Use current .</a:t>
-            </a:r>
-            <a:r>
-              <a:rPr lang="en-US" sz="1200" dirty="0" err="1" smtClean="0"/>
-              <a:t>tar.gz</a:t>
-            </a:r>
-            <a:r>
-              <a:rPr lang="en-US" sz="1200" dirty="0" smtClean="0"/>
-              <a:t> file)</a:t>
-            </a:r>
-          </a:p>
-          <a:p>
-            <a:endParaRPr lang="en-US" sz="1200" dirty="0" smtClean="0"/>
-          </a:p>
-          <a:p>
-            <a:r>
-              <a:rPr lang="en-US" sz="1200" dirty="0" smtClean="0"/>
-              <a:t>Note: Make sure to add the path to 'code2html' to your $PATH</a:t>
-            </a:r>
-          </a:p>
-          <a:p>
-            <a:endParaRPr lang="en-US" sz="1200" dirty="0" smtClean="0"/>
-          </a:p>
-          <a:p>
-            <a:r>
-              <a:rPr lang="en-US" sz="1200" dirty="0" smtClean="0"/>
-              <a:t>Install </a:t>
-            </a:r>
-            <a:r>
-              <a:rPr lang="en-US" sz="1200" dirty="0" err="1" smtClean="0"/>
-              <a:t>graphviz</a:t>
-            </a:r>
-            <a:r>
-              <a:rPr lang="en-US" sz="1200" dirty="0" smtClean="0"/>
-              <a:t> 2.28.0</a:t>
-            </a:r>
-          </a:p>
-          <a:p>
-            <a:r>
-              <a:rPr lang="en-US" sz="1200" dirty="0" smtClean="0"/>
-              <a:t>http://</a:t>
-            </a:r>
-            <a:r>
-              <a:rPr lang="en-US" sz="1200" dirty="0" err="1" smtClean="0"/>
-              <a:t>www.graphviz.org</a:t>
-            </a:r>
-            <a:r>
-              <a:rPr lang="en-US" sz="1200" dirty="0" smtClean="0"/>
-              <a:t>/</a:t>
-            </a:r>
-          </a:p>
-          <a:p>
-            <a:r>
-              <a:rPr lang="en-US" sz="1200" dirty="0" smtClean="0"/>
-              <a:t>Use current .</a:t>
-            </a:r>
-            <a:r>
-              <a:rPr lang="en-US" sz="1200" dirty="0" err="1" smtClean="0"/>
-              <a:t>tar.gz</a:t>
-            </a:r>
-            <a:r>
-              <a:rPr lang="en-US" sz="1200" dirty="0" smtClean="0"/>
-              <a:t> file</a:t>
-            </a:r>
-          </a:p>
-          <a:p>
-            <a:endParaRPr lang="en-US" sz="1200" dirty="0" smtClean="0"/>
-          </a:p>
-          <a:p>
-            <a:r>
-              <a:rPr lang="en-US" sz="1200" dirty="0" smtClean="0"/>
-              <a:t>Recommended Configuration: ./configure --prefix=&lt;install directory&gt; --enable-python=no</a:t>
-            </a:r>
-          </a:p>
-          <a:p>
-            <a:r>
-              <a:rPr lang="en-US" sz="1200" dirty="0" smtClean="0"/>
-              <a:t>Note: Make sure to add the path to 'dot' to your $PATH</a:t>
-            </a:r>
-          </a:p>
-          <a:p>
-            <a:endParaRPr lang="en-US" sz="1200" dirty="0" smtClean="0"/>
-          </a:p>
-          <a:p>
-            <a:endParaRPr lang="en-US" sz="1200" smtClean="0"/>
-          </a:p>
-          <a:p>
             <a:endParaRPr lang="en-US" dirty="0"/>
           </a:p>
         </p:txBody>
@@ -1204,6 +1150,507 @@
     <p:extLst>
       <p:ext uri="{BB962C8B-B14F-4D97-AF65-F5344CB8AC3E}">
         <p14:creationId xmlns:p14="http://schemas.microsoft.com/office/powerpoint/2010/main" val="3673389980"/>
+      </p:ext>
+    </p:extLst>
+  </p:cSld>
+  <p:clrMapOvr>
+    <a:masterClrMapping/>
+  </p:clrMapOvr>
+</p:notes>
+</file>
+
+<file path=ppt/notesSlides/notesSlide5.xml><?xml version="1.0" encoding="utf-8"?>
+<p:notes xmlns:a="http://schemas.openxmlformats.org/drawingml/2006/main" xmlns:r="http://schemas.openxmlformats.org/officeDocument/2006/relationships" xmlns:p="http://schemas.openxmlformats.org/presentationml/2006/main">
+  <p:cSld>
+    <p:spTree>
+      <p:nvGrpSpPr>
+        <p:cNvPr id="1" name=""/>
+        <p:cNvGrpSpPr/>
+        <p:nvPr/>
+      </p:nvGrpSpPr>
+      <p:grpSpPr>
+        <a:xfrm>
+          <a:off x="0" y="0"/>
+          <a:ext cx="0" cy="0"/>
+          <a:chOff x="0" y="0"/>
+          <a:chExt cx="0" cy="0"/>
+        </a:xfrm>
+      </p:grpSpPr>
+      <p:sp>
+        <p:nvSpPr>
+          <p:cNvPr id="2" name="Slide Image Placeholder 1"/>
+          <p:cNvSpPr>
+            <a:spLocks noGrp="1" noRot="1" noChangeAspect="1"/>
+          </p:cNvSpPr>
+          <p:nvPr>
+            <p:ph type="sldImg"/>
+          </p:nvPr>
+        </p:nvSpPr>
+        <p:spPr/>
+      </p:sp>
+      <p:sp>
+        <p:nvSpPr>
+          <p:cNvPr id="3" name="Notes Placeholder 2"/>
+          <p:cNvSpPr>
+            <a:spLocks noGrp="1"/>
+          </p:cNvSpPr>
+          <p:nvPr>
+            <p:ph type="body" idx="1"/>
+          </p:nvPr>
+        </p:nvSpPr>
+        <p:spPr/>
+        <p:txBody>
+          <a:bodyPr/>
+          <a:lstStyle/>
+          <a:p>
+            <a:r>
+              <a:rPr lang="en-US" sz="1200" dirty="0" smtClean="0"/>
+              <a:t>Installation instructions:</a:t>
+            </a:r>
+          </a:p>
+          <a:p>
+            <a:endParaRPr lang="en-US" sz="1200" dirty="0" smtClean="0"/>
+          </a:p>
+          <a:p>
+            <a:r>
+              <a:rPr lang="en-US" sz="1200" dirty="0" smtClean="0"/>
+              <a:t>Install code2html 0.9.1</a:t>
+            </a:r>
+          </a:p>
+          <a:p>
+            <a:r>
+              <a:rPr lang="en-US" sz="1200" dirty="0" smtClean="0"/>
+              <a:t>http://</a:t>
+            </a:r>
+            <a:r>
+              <a:rPr lang="en-US" sz="1200" dirty="0" err="1" smtClean="0"/>
+              <a:t>www.palfrader.org</a:t>
+            </a:r>
+            <a:r>
+              <a:rPr lang="en-US" sz="1200" dirty="0" smtClean="0"/>
+              <a:t>/code2html/</a:t>
+            </a:r>
+          </a:p>
+          <a:p>
+            <a:r>
+              <a:rPr lang="en-US" sz="1200" dirty="0" smtClean="0"/>
+              <a:t>Use current .</a:t>
+            </a:r>
+            <a:r>
+              <a:rPr lang="en-US" sz="1200" dirty="0" err="1" smtClean="0"/>
+              <a:t>tar.gz</a:t>
+            </a:r>
+            <a:r>
+              <a:rPr lang="en-US" sz="1200" dirty="0" smtClean="0"/>
+              <a:t> file)</a:t>
+            </a:r>
+          </a:p>
+          <a:p>
+            <a:endParaRPr lang="en-US" sz="1200" dirty="0" smtClean="0"/>
+          </a:p>
+          <a:p>
+            <a:r>
+              <a:rPr lang="en-US" sz="1200" dirty="0" smtClean="0"/>
+              <a:t>Note: Make sure to add the path to 'code2html' to your $PATH</a:t>
+            </a:r>
+          </a:p>
+          <a:p>
+            <a:endParaRPr lang="en-US" sz="1200" dirty="0" smtClean="0"/>
+          </a:p>
+          <a:p>
+            <a:r>
+              <a:rPr lang="en-US" sz="1200" dirty="0" smtClean="0"/>
+              <a:t>Install </a:t>
+            </a:r>
+            <a:r>
+              <a:rPr lang="en-US" sz="1200" dirty="0" err="1" smtClean="0"/>
+              <a:t>graphviz</a:t>
+            </a:r>
+            <a:r>
+              <a:rPr lang="en-US" sz="1200" dirty="0" smtClean="0"/>
+              <a:t> 2.28.0</a:t>
+            </a:r>
+          </a:p>
+          <a:p>
+            <a:r>
+              <a:rPr lang="en-US" sz="1200" dirty="0" smtClean="0"/>
+              <a:t>http://</a:t>
+            </a:r>
+            <a:r>
+              <a:rPr lang="en-US" sz="1200" dirty="0" err="1" smtClean="0"/>
+              <a:t>www.graphviz.org</a:t>
+            </a:r>
+            <a:r>
+              <a:rPr lang="en-US" sz="1200" dirty="0" smtClean="0"/>
+              <a:t>/</a:t>
+            </a:r>
+          </a:p>
+          <a:p>
+            <a:r>
+              <a:rPr lang="en-US" sz="1200" dirty="0" smtClean="0"/>
+              <a:t>Use current .</a:t>
+            </a:r>
+            <a:r>
+              <a:rPr lang="en-US" sz="1200" dirty="0" err="1" smtClean="0"/>
+              <a:t>tar.gz</a:t>
+            </a:r>
+            <a:r>
+              <a:rPr lang="en-US" sz="1200" dirty="0" smtClean="0"/>
+              <a:t> file</a:t>
+            </a:r>
+          </a:p>
+          <a:p>
+            <a:endParaRPr lang="en-US" sz="1200" dirty="0" smtClean="0"/>
+          </a:p>
+          <a:p>
+            <a:r>
+              <a:rPr lang="en-US" sz="1200" dirty="0" smtClean="0"/>
+              <a:t>Recommended Configuration: ./configure --prefix=&lt;install directory&gt; --enable-python=no</a:t>
+            </a:r>
+          </a:p>
+          <a:p>
+            <a:r>
+              <a:rPr lang="en-US" sz="1200" dirty="0" smtClean="0"/>
+              <a:t>Note: Make sure to add the path to 'dot' to your $PATH</a:t>
+            </a:r>
+          </a:p>
+          <a:p>
+            <a:endParaRPr lang="en-US" sz="1200" dirty="0" smtClean="0"/>
+          </a:p>
+          <a:p>
+            <a:endParaRPr lang="en-US" sz="1200" smtClean="0"/>
+          </a:p>
+          <a:p>
+            <a:endParaRPr lang="en-US" dirty="0"/>
+          </a:p>
+        </p:txBody>
+      </p:sp>
+      <p:sp>
+        <p:nvSpPr>
+          <p:cNvPr id="4" name="Slide Number Placeholder 3"/>
+          <p:cNvSpPr>
+            <a:spLocks noGrp="1"/>
+          </p:cNvSpPr>
+          <p:nvPr>
+            <p:ph type="sldNum" sz="quarter" idx="10"/>
+          </p:nvPr>
+        </p:nvSpPr>
+        <p:spPr/>
+        <p:txBody>
+          <a:bodyPr/>
+          <a:lstStyle/>
+          <a:p>
+            <a:fld id="{689CB50F-1E04-014F-81B6-285FD1BAB429}" type="slidenum">
+              <a:rPr lang="en-US" smtClean="0"/>
+              <a:t>10</a:t>
+            </a:fld>
+            <a:endParaRPr lang="en-US"/>
+          </a:p>
+        </p:txBody>
+      </p:sp>
+    </p:spTree>
+    <p:extLst>
+      <p:ext uri="{BB962C8B-B14F-4D97-AF65-F5344CB8AC3E}">
+        <p14:creationId xmlns:p14="http://schemas.microsoft.com/office/powerpoint/2010/main" val="3673389980"/>
+      </p:ext>
+    </p:extLst>
+  </p:cSld>
+  <p:clrMapOvr>
+    <a:masterClrMapping/>
+  </p:clrMapOvr>
+</p:notes>
+</file>
+
+<file path=ppt/notesSlides/notesSlide6.xml><?xml version="1.0" encoding="utf-8"?>
+<p:notes xmlns:a="http://schemas.openxmlformats.org/drawingml/2006/main" xmlns:r="http://schemas.openxmlformats.org/officeDocument/2006/relationships" xmlns:p="http://schemas.openxmlformats.org/presentationml/2006/main">
+  <p:cSld>
+    <p:spTree>
+      <p:nvGrpSpPr>
+        <p:cNvPr id="1" name=""/>
+        <p:cNvGrpSpPr/>
+        <p:nvPr/>
+      </p:nvGrpSpPr>
+      <p:grpSpPr>
+        <a:xfrm>
+          <a:off x="0" y="0"/>
+          <a:ext cx="0" cy="0"/>
+          <a:chOff x="0" y="0"/>
+          <a:chExt cx="0" cy="0"/>
+        </a:xfrm>
+      </p:grpSpPr>
+      <p:sp>
+        <p:nvSpPr>
+          <p:cNvPr id="2" name="Slide Image Placeholder 1"/>
+          <p:cNvSpPr>
+            <a:spLocks noGrp="1" noRot="1" noChangeAspect="1"/>
+          </p:cNvSpPr>
+          <p:nvPr>
+            <p:ph type="sldImg"/>
+          </p:nvPr>
+        </p:nvSpPr>
+        <p:spPr/>
+      </p:sp>
+      <p:sp>
+        <p:nvSpPr>
+          <p:cNvPr id="3" name="Notes Placeholder 2"/>
+          <p:cNvSpPr>
+            <a:spLocks noGrp="1"/>
+          </p:cNvSpPr>
+          <p:nvPr>
+            <p:ph type="body" idx="1"/>
+          </p:nvPr>
+        </p:nvSpPr>
+        <p:spPr/>
+        <p:txBody>
+          <a:bodyPr/>
+          <a:lstStyle/>
+          <a:p>
+            <a:r>
+              <a:rPr lang="en-US" dirty="0" smtClean="0"/>
+              <a:t>The tool is currently in its infancy and there are many enhancements to be made, both with</a:t>
+            </a:r>
+          </a:p>
+          <a:p>
+            <a:endParaRPr lang="en-US" dirty="0" smtClean="0"/>
+          </a:p>
+          <a:p>
+            <a:r>
+              <a:rPr lang="en-US" dirty="0" smtClean="0"/>
+              <a:t>analysis capabilities and with its use and invocation.</a:t>
+            </a:r>
+          </a:p>
+          <a:p>
+            <a:endParaRPr lang="en-US" dirty="0"/>
+          </a:p>
+        </p:txBody>
+      </p:sp>
+      <p:sp>
+        <p:nvSpPr>
+          <p:cNvPr id="4" name="Slide Number Placeholder 3"/>
+          <p:cNvSpPr>
+            <a:spLocks noGrp="1"/>
+          </p:cNvSpPr>
+          <p:nvPr>
+            <p:ph type="sldNum" sz="quarter" idx="10"/>
+          </p:nvPr>
+        </p:nvSpPr>
+        <p:spPr/>
+        <p:txBody>
+          <a:bodyPr/>
+          <a:lstStyle/>
+          <a:p>
+            <a:fld id="{689CB50F-1E04-014F-81B6-285FD1BAB429}" type="slidenum">
+              <a:rPr lang="en-US" smtClean="0"/>
+              <a:t>12</a:t>
+            </a:fld>
+            <a:endParaRPr lang="en-US"/>
+          </a:p>
+        </p:txBody>
+      </p:sp>
+    </p:spTree>
+    <p:extLst>
+      <p:ext uri="{BB962C8B-B14F-4D97-AF65-F5344CB8AC3E}">
+        <p14:creationId xmlns:p14="http://schemas.microsoft.com/office/powerpoint/2010/main" val="1709686940"/>
+      </p:ext>
+    </p:extLst>
+  </p:cSld>
+  <p:clrMapOvr>
+    <a:masterClrMapping/>
+  </p:clrMapOvr>
+</p:notes>
+</file>
+
+<file path=ppt/notesSlides/notesSlide7.xml><?xml version="1.0" encoding="utf-8"?>
+<p:notes xmlns:a="http://schemas.openxmlformats.org/drawingml/2006/main" xmlns:r="http://schemas.openxmlformats.org/officeDocument/2006/relationships" xmlns:p="http://schemas.openxmlformats.org/presentationml/2006/main">
+  <p:cSld>
+    <p:spTree>
+      <p:nvGrpSpPr>
+        <p:cNvPr id="1" name=""/>
+        <p:cNvGrpSpPr/>
+        <p:nvPr/>
+      </p:nvGrpSpPr>
+      <p:grpSpPr>
+        <a:xfrm>
+          <a:off x="0" y="0"/>
+          <a:ext cx="0" cy="0"/>
+          <a:chOff x="0" y="0"/>
+          <a:chExt cx="0" cy="0"/>
+        </a:xfrm>
+      </p:grpSpPr>
+      <p:sp>
+        <p:nvSpPr>
+          <p:cNvPr id="2" name="Slide Image Placeholder 1"/>
+          <p:cNvSpPr>
+            <a:spLocks noGrp="1" noRot="1" noChangeAspect="1"/>
+          </p:cNvSpPr>
+          <p:nvPr>
+            <p:ph type="sldImg"/>
+          </p:nvPr>
+        </p:nvSpPr>
+        <p:spPr/>
+      </p:sp>
+      <p:sp>
+        <p:nvSpPr>
+          <p:cNvPr id="3" name="Notes Placeholder 2"/>
+          <p:cNvSpPr>
+            <a:spLocks noGrp="1"/>
+          </p:cNvSpPr>
+          <p:nvPr>
+            <p:ph type="body" idx="1"/>
+          </p:nvPr>
+        </p:nvSpPr>
+        <p:spPr/>
+        <p:txBody>
+          <a:bodyPr/>
+          <a:lstStyle/>
+          <a:p>
+            <a:r>
+              <a:rPr lang="en-US" dirty="0" smtClean="0"/>
+              <a:t>TO DO </a:t>
+            </a:r>
+          </a:p>
+          <a:p>
+            <a:pPr marL="342900" indent="-342900">
+              <a:buFont typeface="Wingdings" charset="2"/>
+              <a:buChar char="§"/>
+            </a:pPr>
+            <a:r>
+              <a:rPr lang="en-US" sz="1200" b="0" dirty="0" smtClean="0"/>
+              <a:t>Fix Figure</a:t>
+            </a:r>
+            <a:r>
+              <a:rPr lang="en-US" sz="1200" b="0" baseline="0" dirty="0" smtClean="0"/>
+              <a:t> 1 in </a:t>
+            </a:r>
+            <a:r>
+              <a:rPr lang="en-US" sz="1200" b="0" baseline="0" dirty="0" err="1" smtClean="0"/>
+              <a:t>shmem</a:t>
+            </a:r>
+            <a:r>
+              <a:rPr lang="en-US" sz="1200" b="0" baseline="0" dirty="0" smtClean="0"/>
+              <a:t> analyzer guide (</a:t>
+            </a:r>
+            <a:r>
+              <a:rPr lang="en-US" sz="1200" b="0" baseline="0" dirty="0" err="1" smtClean="0"/>
+              <a:t>shmemcc</a:t>
+            </a:r>
+            <a:r>
+              <a:rPr lang="en-US" sz="1200" b="0" baseline="0" dirty="0" smtClean="0"/>
+              <a:t> </a:t>
+            </a:r>
+            <a:r>
+              <a:rPr lang="en-US" sz="1200" b="0" baseline="0" dirty="0" smtClean="0">
+                <a:sym typeface="Wingdings"/>
+              </a:rPr>
+              <a:t> </a:t>
+            </a:r>
+            <a:r>
+              <a:rPr lang="en-US" sz="1200" b="0" baseline="0" dirty="0" err="1" smtClean="0">
+                <a:sym typeface="Wingdings"/>
+              </a:rPr>
+              <a:t>uhcc</a:t>
+            </a:r>
+            <a:r>
+              <a:rPr lang="en-US" sz="1200" b="0" baseline="0" dirty="0" smtClean="0">
+                <a:sym typeface="Wingdings"/>
+              </a:rPr>
+              <a:t>)</a:t>
+            </a:r>
+            <a:endParaRPr lang="en-US" sz="1200" b="0" dirty="0" smtClean="0"/>
+          </a:p>
+          <a:p>
+            <a:pPr marL="342900" indent="-342900">
+              <a:buFont typeface="Wingdings" charset="2"/>
+              <a:buChar char="§"/>
+            </a:pPr>
+            <a:r>
+              <a:rPr lang="en-US" sz="1200" b="0" dirty="0" smtClean="0"/>
+              <a:t>Remove the generation of .</a:t>
+            </a:r>
+            <a:r>
+              <a:rPr lang="en-US" sz="1200" b="0" dirty="0" err="1" smtClean="0"/>
+              <a:t>msg</a:t>
+            </a:r>
+            <a:r>
+              <a:rPr lang="en-US" sz="1200" b="0" dirty="0" smtClean="0"/>
+              <a:t> files</a:t>
+            </a:r>
+          </a:p>
+          <a:p>
+            <a:pPr marL="342900" indent="-342900">
+              <a:buFont typeface="Wingdings" charset="2"/>
+              <a:buChar char="§"/>
+            </a:pPr>
+            <a:r>
+              <a:rPr lang="en-US" sz="1200" b="0" dirty="0" smtClean="0"/>
+              <a:t>Remove dot files after generation of gif images</a:t>
+            </a:r>
+          </a:p>
+          <a:p>
+            <a:pPr marL="342900" indent="-342900">
+              <a:buFont typeface="Wingdings" charset="2"/>
+              <a:buChar char="§"/>
+            </a:pPr>
+            <a:r>
+              <a:rPr lang="en-US" sz="1200" b="0" dirty="0" smtClean="0"/>
+              <a:t>Restructure </a:t>
+            </a:r>
+            <a:r>
+              <a:rPr lang="en-US" sz="1200" b="0" dirty="0" err="1" smtClean="0"/>
+              <a:t>OpenSHMEM</a:t>
+            </a:r>
+            <a:r>
+              <a:rPr lang="en-US" sz="1200" b="0" dirty="0" smtClean="0"/>
+              <a:t> code in </a:t>
+            </a:r>
+            <a:r>
+              <a:rPr lang="en-US" sz="1200" b="0" dirty="0" err="1" smtClean="0"/>
+              <a:t>OpenUH</a:t>
+            </a:r>
+            <a:endParaRPr lang="en-US" sz="1200" b="0" dirty="0" smtClean="0"/>
+          </a:p>
+          <a:p>
+            <a:pPr marL="342900" indent="-342900">
+              <a:buFont typeface="Wingdings" charset="2"/>
+              <a:buChar char="§"/>
+            </a:pPr>
+            <a:r>
+              <a:rPr lang="en-US" sz="1200" b="0" dirty="0" smtClean="0"/>
+              <a:t>Record test-bounds </a:t>
+            </a:r>
+          </a:p>
+          <a:p>
+            <a:endParaRPr lang="en-US" dirty="0"/>
+          </a:p>
+        </p:txBody>
+      </p:sp>
+      <p:sp>
+        <p:nvSpPr>
+          <p:cNvPr id="4" name="Slide Number Placeholder 3"/>
+          <p:cNvSpPr>
+            <a:spLocks noGrp="1"/>
+          </p:cNvSpPr>
+          <p:nvPr>
+            <p:ph type="sldNum" sz="quarter" idx="10"/>
+          </p:nvPr>
+        </p:nvSpPr>
+        <p:spPr/>
+        <p:txBody>
+          <a:bodyPr/>
+          <a:lstStyle/>
+          <a:p>
+            <a:fld id="{689CB50F-1E04-014F-81B6-285FD1BAB429}" type="slidenum">
+              <a:rPr lang="en-US" smtClean="0"/>
+              <a:t>13</a:t>
+            </a:fld>
+            <a:endParaRPr lang="en-US"/>
+          </a:p>
+        </p:txBody>
+      </p:sp>
+    </p:spTree>
+    <p:extLst>
+      <p:ext uri="{BB962C8B-B14F-4D97-AF65-F5344CB8AC3E}">
+        <p14:creationId xmlns:p14="http://schemas.microsoft.com/office/powerpoint/2010/main" val="812281651"/>
       </p:ext>
     </p:extLst>
   </p:cSld>
@@ -4688,7 +5135,7 @@
           <a:p>
             <a:r>
               <a:rPr lang="en-US" dirty="0" smtClean="0"/>
-              <a:t>Conclusion</a:t>
+              <a:t>How to install</a:t>
             </a:r>
             <a:endParaRPr lang="en-US" dirty="0"/>
           </a:p>
@@ -4696,18 +5143,68 @@
       </p:sp>
       <p:sp>
         <p:nvSpPr>
-          <p:cNvPr id="3" name="Content Placeholder 2"/>
-          <p:cNvSpPr>
-            <a:spLocks noGrp="1"/>
-          </p:cNvSpPr>
-          <p:nvPr>
-            <p:ph idx="1"/>
-          </p:nvPr>
+          <p:cNvPr id="9" name="Slide Number Placeholder 8"/>
+          <p:cNvSpPr>
+            <a:spLocks noGrp="1"/>
+          </p:cNvSpPr>
+          <p:nvPr>
+            <p:ph type="sldNum" sz="quarter" idx="12"/>
+          </p:nvPr>
+        </p:nvSpPr>
+        <p:spPr/>
+        <p:txBody>
+          <a:bodyPr/>
+          <a:lstStyle/>
+          <a:p>
+            <a:fld id="{F38DF745-7D3F-47F4-83A3-874385CFAA69}" type="slidenum">
+              <a:rPr lang="en-US" smtClean="0"/>
+              <a:pPr/>
+              <a:t>10</a:t>
+            </a:fld>
+            <a:endParaRPr lang="en-US" dirty="0"/>
+          </a:p>
+        </p:txBody>
+      </p:sp>
+      <p:sp>
+        <p:nvSpPr>
+          <p:cNvPr id="3" name="TextBox 2"/>
+          <p:cNvSpPr txBox="1"/>
+          <p:nvPr/>
         </p:nvSpPr>
         <p:spPr>
           <a:xfrm>
-            <a:off x="457199" y="1752600"/>
-            <a:ext cx="8245475" cy="4373563"/>
+            <a:off x="2254250" y="2905125"/>
+            <a:ext cx="184666" cy="369332"/>
+          </a:xfrm>
+          <a:prstGeom prst="rect">
+            <a:avLst/>
+          </a:prstGeom>
+          <a:noFill/>
+        </p:spPr>
+        <p:txBody>
+          <a:bodyPr wrap="none" rtlCol="0">
+            <a:spAutoFit/>
+          </a:bodyPr>
+          <a:lstStyle/>
+          <a:p>
+            <a:endParaRPr lang="en-US" dirty="0"/>
+          </a:p>
+        </p:txBody>
+      </p:sp>
+      <p:sp>
+        <p:nvSpPr>
+          <p:cNvPr id="7" name="Content Placeholder 2"/>
+          <p:cNvSpPr>
+            <a:spLocks noGrp="1"/>
+          </p:cNvSpPr>
+          <p:nvPr>
+            <p:ph idx="1"/>
+          </p:nvPr>
+        </p:nvSpPr>
+        <p:spPr>
+          <a:xfrm>
+            <a:off x="154669" y="1932398"/>
+            <a:ext cx="8229600" cy="4533900"/>
           </a:xfrm>
         </p:spPr>
         <p:txBody>
@@ -4716,38 +5213,91 @@
           </a:bodyPr>
           <a:lstStyle/>
           <a:p>
-            <a:endParaRPr lang="en-US" sz="2800" b="0" dirty="0"/>
-          </a:p>
-        </p:txBody>
-      </p:sp>
-      <p:sp>
-        <p:nvSpPr>
-          <p:cNvPr id="5" name="Slide Number Placeholder 4"/>
-          <p:cNvSpPr>
-            <a:spLocks noGrp="1"/>
-          </p:cNvSpPr>
-          <p:nvPr>
-            <p:ph type="sldNum" sz="quarter" idx="12"/>
-          </p:nvPr>
-        </p:nvSpPr>
-        <p:spPr/>
-        <p:txBody>
-          <a:bodyPr/>
-          <a:lstStyle/>
-          <a:p>
-            <a:fld id="{F38DF745-7D3F-47F4-83A3-874385CFAA69}" type="slidenum">
-              <a:rPr lang="en-US" smtClean="0"/>
-              <a:pPr/>
-              <a:t>10</a:t>
-            </a:fld>
-            <a:endParaRPr lang="en-US"/>
+            <a:pPr marL="285750" indent="-285750">
+              <a:buFont typeface="Wingdings" charset="2"/>
+              <a:buChar char="§"/>
+            </a:pPr>
+            <a:r>
+              <a:rPr lang="en-US" sz="1400" dirty="0" smtClean="0"/>
+              <a:t>Install </a:t>
+            </a:r>
+            <a:r>
+              <a:rPr lang="en-US" sz="1400" dirty="0" err="1" smtClean="0"/>
+              <a:t>OpenUH</a:t>
+            </a:r>
+            <a:r>
+              <a:rPr lang="en-US" sz="1400" dirty="0" smtClean="0"/>
+              <a:t> 3.0.38 (http</a:t>
+            </a:r>
+            <a:r>
+              <a:rPr lang="en-US" sz="1400" dirty="0"/>
+              <a:t>://</a:t>
+            </a:r>
+            <a:r>
+              <a:rPr lang="en-US" sz="1400" dirty="0" err="1"/>
+              <a:t>web.cs.uh.edu</a:t>
+            </a:r>
+            <a:r>
+              <a:rPr lang="en-US" sz="1400" dirty="0"/>
+              <a:t>/~</a:t>
+            </a:r>
+            <a:r>
+              <a:rPr lang="en-US" sz="1400" dirty="0" err="1"/>
+              <a:t>openuh</a:t>
+            </a:r>
+            <a:r>
+              <a:rPr lang="en-US" sz="1400" dirty="0"/>
+              <a:t>/download</a:t>
+            </a:r>
+            <a:r>
+              <a:rPr lang="en-US" sz="1400" dirty="0" smtClean="0"/>
+              <a:t>/)</a:t>
+            </a:r>
+          </a:p>
+          <a:p>
+            <a:pPr marL="285750" indent="-285750">
+              <a:buFont typeface="Wingdings" charset="2"/>
+              <a:buChar char="§"/>
+            </a:pPr>
+            <a:r>
+              <a:rPr lang="en-US" sz="1400" dirty="0" smtClean="0"/>
+              <a:t>Packages to Install:</a:t>
+            </a:r>
+          </a:p>
+          <a:p>
+            <a:pPr marL="742950" lvl="1" indent="-285750">
+              <a:buFont typeface="Wingdings" charset="2"/>
+              <a:buChar char="§"/>
+            </a:pPr>
+            <a:r>
+              <a:rPr lang="en-US" sz="1400" dirty="0" smtClean="0"/>
+              <a:t>Code2html</a:t>
+            </a:r>
+          </a:p>
+          <a:p>
+            <a:pPr marL="742950" lvl="1" indent="-285750">
+              <a:buFont typeface="Wingdings" charset="2"/>
+              <a:buChar char="§"/>
+            </a:pPr>
+            <a:r>
+              <a:rPr lang="en-US" sz="1400" dirty="0" err="1" smtClean="0"/>
+              <a:t>Graphviz</a:t>
+            </a:r>
+            <a:endParaRPr lang="en-US" sz="1400" dirty="0" smtClean="0"/>
+          </a:p>
+          <a:p>
+            <a:pPr marL="285750" indent="-285750">
+              <a:buFont typeface="Wingdings" charset="2"/>
+              <a:buChar char="§"/>
+            </a:pPr>
+            <a:endParaRPr lang="en-US" sz="1400" dirty="0" smtClean="0"/>
           </a:p>
         </p:txBody>
       </p:sp>
     </p:spTree>
     <p:extLst>
       <p:ext uri="{BB962C8B-B14F-4D97-AF65-F5344CB8AC3E}">
-        <p14:creationId xmlns:p14="http://schemas.microsoft.com/office/powerpoint/2010/main" val="555642007"/>
+        <p14:creationId xmlns:p14="http://schemas.microsoft.com/office/powerpoint/2010/main" val="2806564515"/>
       </p:ext>
     </p:extLst>
   </p:cSld>
@@ -4791,33 +5341,10 @@
             <p:ph type="title"/>
           </p:nvPr>
         </p:nvSpPr>
-        <p:spPr/>
-        <p:txBody>
-          <a:bodyPr/>
-          <a:lstStyle/>
-          <a:p>
-            <a:r>
-              <a:rPr lang="en-US" dirty="0" smtClean="0"/>
-              <a:t>Future work</a:t>
-            </a:r>
-            <a:endParaRPr lang="en-US" dirty="0"/>
-          </a:p>
-        </p:txBody>
-      </p:sp>
-      <p:sp>
-        <p:nvSpPr>
-          <p:cNvPr id="3" name="Content Placeholder 2"/>
-          <p:cNvSpPr>
-            <a:spLocks noGrp="1"/>
-          </p:cNvSpPr>
-          <p:nvPr>
-            <p:ph idx="1"/>
-          </p:nvPr>
-        </p:nvSpPr>
         <p:spPr>
           <a:xfrm>
-            <a:off x="457200" y="2174875"/>
-            <a:ext cx="7620000" cy="3235324"/>
+            <a:off x="1044574" y="152718"/>
+            <a:ext cx="7004051" cy="1371600"/>
           </a:xfrm>
         </p:spPr>
         <p:txBody>
@@ -4826,80 +5353,19 @@
           </a:bodyPr>
           <a:lstStyle/>
           <a:p>
-            <a:pPr marL="342900" indent="-342900">
-              <a:buFont typeface="Wingdings" charset="2"/>
-              <a:buChar char="§"/>
-            </a:pPr>
-            <a:r>
-              <a:rPr lang="en-US" sz="2800" b="0" dirty="0" smtClean="0"/>
-              <a:t>Improving </a:t>
-            </a:r>
-            <a:r>
-              <a:rPr lang="en-US" sz="2800" b="0" dirty="0" err="1"/>
-              <a:t>i</a:t>
-            </a:r>
-            <a:r>
-              <a:rPr lang="en-US" sz="2800" b="0" dirty="0" err="1" smtClean="0"/>
-              <a:t>nterprocedural</a:t>
-            </a:r>
-            <a:r>
-              <a:rPr lang="en-US" sz="2800" b="0" dirty="0" smtClean="0"/>
-              <a:t> analyses </a:t>
-            </a:r>
-          </a:p>
-          <a:p>
-            <a:pPr marL="342900" indent="-342900">
-              <a:buFont typeface="Wingdings" charset="2"/>
-              <a:buChar char="§"/>
-            </a:pPr>
-            <a:r>
-              <a:rPr lang="en-US" sz="2800" b="0" dirty="0" smtClean="0"/>
-              <a:t>Extending </a:t>
-            </a:r>
-            <a:r>
-              <a:rPr lang="en-US" sz="2800" b="0" dirty="0" err="1" smtClean="0"/>
+            <a:r>
+              <a:rPr lang="en-US" dirty="0" smtClean="0"/>
+              <a:t>How to use </a:t>
+            </a:r>
+            <a:r>
+              <a:rPr lang="en-US" dirty="0" err="1" smtClean="0"/>
               <a:t>OpenSHMEM</a:t>
             </a:r>
             <a:r>
-              <a:rPr lang="en-US" sz="2800" b="0" dirty="0" smtClean="0"/>
-              <a:t> Analyzer  to </a:t>
-            </a:r>
-            <a:r>
-              <a:rPr lang="en-US" sz="2800" b="0" dirty="0" smtClean="0"/>
-              <a:t>PGAS using the Parallel IR </a:t>
-            </a:r>
-            <a:r>
-              <a:rPr lang="en-US" sz="2800" b="0" dirty="0" smtClean="0"/>
-              <a:t>of </a:t>
-            </a:r>
-            <a:r>
-              <a:rPr lang="en-US" sz="2800" b="0" dirty="0" err="1" smtClean="0"/>
-              <a:t>OpenUH</a:t>
-            </a:r>
-            <a:endParaRPr lang="en-US" sz="2800" b="0" dirty="0" smtClean="0"/>
-          </a:p>
-          <a:p>
-            <a:pPr marL="342900" indent="-342900">
-              <a:buFont typeface="Wingdings" charset="2"/>
-              <a:buChar char="§"/>
-            </a:pPr>
-            <a:r>
-              <a:rPr lang="en-US" sz="2800" b="0" dirty="0" smtClean="0"/>
-              <a:t>More analyses such as data race detection</a:t>
-            </a:r>
-          </a:p>
-          <a:p>
-            <a:pPr marL="342900" indent="-342900">
-              <a:buFont typeface="Wingdings" charset="2"/>
-              <a:buChar char="§"/>
-            </a:pPr>
-            <a:r>
-              <a:rPr lang="en-US" sz="2800" b="0" dirty="0" smtClean="0"/>
-              <a:t>Developing optimizations based on OSA</a:t>
-            </a:r>
-          </a:p>
-          <a:p>
-            <a:endParaRPr lang="en-US" sz="2800" b="0" dirty="0"/>
+              <a:rPr lang="en-US" dirty="0" smtClean="0"/>
+              <a:t> Analyzer (Demo)</a:t>
+            </a:r>
+            <a:endParaRPr lang="en-US" dirty="0"/>
           </a:p>
         </p:txBody>
       </p:sp>
@@ -4927,10 +5393,61 @@
           </a:p>
         </p:txBody>
       </p:sp>
+      <p:sp>
+        <p:nvSpPr>
+          <p:cNvPr id="4" name="Rectangle 3"/>
+          <p:cNvSpPr/>
+          <p:nvPr/>
+        </p:nvSpPr>
+        <p:spPr>
+          <a:xfrm>
+            <a:off x="571500" y="1997839"/>
+            <a:ext cx="7747000" cy="1384995"/>
+          </a:xfrm>
+          <a:prstGeom prst="rect">
+            <a:avLst/>
+          </a:prstGeom>
+        </p:spPr>
+        <p:txBody>
+          <a:bodyPr wrap="square">
+            <a:spAutoFit/>
+          </a:bodyPr>
+          <a:lstStyle/>
+          <a:p>
+            <a:pPr marL="457200" indent="-457200">
+              <a:buFont typeface="Wingdings" charset="2"/>
+              <a:buChar char="§"/>
+            </a:pPr>
+            <a:r>
+              <a:rPr lang="en-US" sz="2800" dirty="0" smtClean="0"/>
+              <a:t>Hints </a:t>
+            </a:r>
+            <a:r>
+              <a:rPr lang="en-US" sz="2800" dirty="0"/>
+              <a:t>on preparing programs for </a:t>
+            </a:r>
+            <a:r>
+              <a:rPr lang="en-US" sz="2800" dirty="0" smtClean="0"/>
+              <a:t>OSA</a:t>
+            </a:r>
+          </a:p>
+          <a:p>
+            <a:pPr marL="457200" indent="-457200">
+              <a:buFont typeface="Wingdings" charset="2"/>
+              <a:buChar char="§"/>
+            </a:pPr>
+            <a:r>
+              <a:rPr lang="en-US" sz="2800" dirty="0" smtClean="0"/>
+              <a:t>Visualization of results and manipulating graphs</a:t>
+            </a:r>
+            <a:endParaRPr lang="en-US" sz="2800" dirty="0"/>
+          </a:p>
+        </p:txBody>
+      </p:sp>
     </p:spTree>
     <p:extLst>
       <p:ext uri="{BB962C8B-B14F-4D97-AF65-F5344CB8AC3E}">
-        <p14:creationId xmlns:p14="http://schemas.microsoft.com/office/powerpoint/2010/main" val="2132049378"/>
+        <p14:creationId xmlns:p14="http://schemas.microsoft.com/office/powerpoint/2010/main" val="2033679312"/>
       </p:ext>
     </p:extLst>
   </p:cSld>
@@ -4981,7 +5498,117 @@
           <a:p>
             <a:r>
               <a:rPr lang="en-US" dirty="0" smtClean="0"/>
-              <a:t>TO DO</a:t>
+              <a:t>Conclusion</a:t>
+            </a:r>
+            <a:endParaRPr lang="en-US" dirty="0"/>
+          </a:p>
+        </p:txBody>
+      </p:sp>
+      <p:sp>
+        <p:nvSpPr>
+          <p:cNvPr id="3" name="Content Placeholder 2"/>
+          <p:cNvSpPr>
+            <a:spLocks noGrp="1"/>
+          </p:cNvSpPr>
+          <p:nvPr>
+            <p:ph idx="1"/>
+          </p:nvPr>
+        </p:nvSpPr>
+        <p:spPr>
+          <a:xfrm>
+            <a:off x="457199" y="1752600"/>
+            <a:ext cx="8245475" cy="4373563"/>
+          </a:xfrm>
+        </p:spPr>
+        <p:txBody>
+          <a:bodyPr>
+            <a:normAutofit/>
+          </a:bodyPr>
+          <a:lstStyle/>
+          <a:p>
+            <a:endParaRPr lang="en-US" sz="2800" b="0" dirty="0"/>
+          </a:p>
+        </p:txBody>
+      </p:sp>
+      <p:sp>
+        <p:nvSpPr>
+          <p:cNvPr id="5" name="Slide Number Placeholder 4"/>
+          <p:cNvSpPr>
+            <a:spLocks noGrp="1"/>
+          </p:cNvSpPr>
+          <p:nvPr>
+            <p:ph type="sldNum" sz="quarter" idx="12"/>
+          </p:nvPr>
+        </p:nvSpPr>
+        <p:spPr/>
+        <p:txBody>
+          <a:bodyPr/>
+          <a:lstStyle/>
+          <a:p>
+            <a:fld id="{F38DF745-7D3F-47F4-83A3-874385CFAA69}" type="slidenum">
+              <a:rPr lang="en-US" smtClean="0"/>
+              <a:pPr/>
+              <a:t>12</a:t>
+            </a:fld>
+            <a:endParaRPr lang="en-US"/>
+          </a:p>
+        </p:txBody>
+      </p:sp>
+    </p:spTree>
+    <p:extLst>
+      <p:ext uri="{BB962C8B-B14F-4D97-AF65-F5344CB8AC3E}">
+        <p14:creationId xmlns:p14="http://schemas.microsoft.com/office/powerpoint/2010/main" val="555642007"/>
+      </p:ext>
+    </p:extLst>
+  </p:cSld>
+  <p:clrMapOvr>
+    <a:masterClrMapping/>
+  </p:clrMapOvr>
+  <p:timing>
+    <p:tnLst>
+      <p:par>
+        <p:cTn xmlns:p14="http://schemas.microsoft.com/office/powerpoint/2010/main" id="1" dur="indefinite" restart="never" nodeType="tmRoot"/>
+      </p:par>
+    </p:tnLst>
+  </p:timing>
+</p:sld>
+</file>
+
+<file path=ppt/slides/slide13.xml><?xml version="1.0" encoding="utf-8"?>
+<p:sld xmlns:a="http://schemas.openxmlformats.org/drawingml/2006/main" xmlns:r="http://schemas.openxmlformats.org/officeDocument/2006/relationships" xmlns:p="http://schemas.openxmlformats.org/presentationml/2006/main">
+  <p:cSld>
+    <p:spTree>
+      <p:nvGrpSpPr>
+        <p:cNvPr id="1" name=""/>
+        <p:cNvGrpSpPr/>
+        <p:nvPr/>
+      </p:nvGrpSpPr>
+      <p:grpSpPr>
+        <a:xfrm>
+          <a:off x="0" y="0"/>
+          <a:ext cx="0" cy="0"/>
+          <a:chOff x="0" y="0"/>
+          <a:chExt cx="0" cy="0"/>
+        </a:xfrm>
+      </p:grpSpPr>
+      <p:sp>
+        <p:nvSpPr>
+          <p:cNvPr id="2" name="Title 1"/>
+          <p:cNvSpPr>
+            <a:spLocks noGrp="1"/>
+          </p:cNvSpPr>
+          <p:nvPr>
+            <p:ph type="title"/>
+          </p:nvPr>
+        </p:nvSpPr>
+        <p:spPr/>
+        <p:txBody>
+          <a:bodyPr/>
+          <a:lstStyle/>
+          <a:p>
+            <a:r>
+              <a:rPr lang="en-US" dirty="0" smtClean="0"/>
+              <a:t>Future work</a:t>
             </a:r>
             <a:endParaRPr lang="en-US" dirty="0"/>
           </a:p>
@@ -5015,21 +5642,20 @@
             </a:pPr>
             <a:r>
               <a:rPr lang="en-US" sz="2800" b="0" dirty="0" smtClean="0"/>
-              <a:t>Restructure </a:t>
+              <a:t>Improving </a:t>
+            </a:r>
+            <a:r>
+              <a:rPr lang="en-US" sz="2800" b="0" dirty="0" err="1"/>
+              <a:t>i</a:t>
             </a:r>
             <a:r>
               <a:rPr lang="en-US" sz="2800" b="0" dirty="0" err="1" smtClean="0"/>
-              <a:t>OpenSHMEM</a:t>
+              <a:t>nterprocedural</a:t>
             </a:r>
             <a:r>
               <a:rPr lang="en-US" sz="2800" b="0" dirty="0" smtClean="0"/>
-              <a:t> code in </a:t>
-            </a:r>
-            <a:r>
-              <a:rPr lang="en-US" sz="2800" b="0" dirty="0" err="1" smtClean="0"/>
-              <a:t>OpenUH</a:t>
-            </a:r>
-            <a:endParaRPr lang="en-US" sz="2800" b="0" dirty="0" smtClean="0"/>
+              <a:t> analyses </a:t>
+            </a:r>
           </a:p>
           <a:p>
             <a:pPr marL="342900" indent="-342900">
@@ -5038,8 +5664,43 @@
             </a:pPr>
             <a:r>
               <a:rPr lang="en-US" sz="2800" b="0" dirty="0" smtClean="0"/>
-              <a:t>Record test-bounds </a:t>
-            </a:r>
+              <a:t>Extending </a:t>
+            </a:r>
+            <a:r>
+              <a:rPr lang="en-US" sz="2800" b="0" dirty="0" err="1" smtClean="0"/>
+              <a:t>OpenSHMEM</a:t>
+            </a:r>
+            <a:r>
+              <a:rPr lang="en-US" sz="2800" b="0" dirty="0" smtClean="0"/>
+              <a:t> Analyzer  to PGAS using the Parallel IR of </a:t>
+            </a:r>
+            <a:r>
+              <a:rPr lang="en-US" sz="2800" b="0" dirty="0" err="1" smtClean="0"/>
+              <a:t>OpenUH</a:t>
+            </a:r>
+            <a:endParaRPr lang="en-US" sz="2800" b="0" dirty="0" smtClean="0"/>
+          </a:p>
+          <a:p>
+            <a:pPr marL="342900" indent="-342900">
+              <a:buFont typeface="Wingdings" charset="2"/>
+              <a:buChar char="§"/>
+            </a:pPr>
+            <a:r>
+              <a:rPr lang="en-US" sz="2800" b="0" dirty="0" smtClean="0"/>
+              <a:t>More analyses such as data race detection</a:t>
+            </a:r>
+          </a:p>
+          <a:p>
+            <a:pPr marL="342900" indent="-342900">
+              <a:buFont typeface="Wingdings" charset="2"/>
+              <a:buChar char="§"/>
+            </a:pPr>
+            <a:r>
+              <a:rPr lang="en-US" sz="2800" b="0" dirty="0" smtClean="0"/>
+              <a:t>Developing optimizations based on OSA</a:t>
+            </a:r>
+          </a:p>
+          <a:p>
             <a:endParaRPr lang="en-US" sz="2800" b="0" dirty="0"/>
           </a:p>
         </p:txBody>
@@ -5062,7 +5723,7 @@
             <a:fld id="{F38DF745-7D3F-47F4-83A3-874385CFAA69}" type="slidenum">
               <a:rPr lang="en-US" smtClean="0"/>
               <a:pPr/>
-              <a:t>12</a:t>
+              <a:t>13</a:t>
             </a:fld>
             <a:endParaRPr lang="en-US"/>
           </a:p>
@@ -5071,7 +5732,7 @@
     </p:spTree>
     <p:extLst>
       <p:ext uri="{BB962C8B-B14F-4D97-AF65-F5344CB8AC3E}">
-        <p14:creationId xmlns:p14="http://schemas.microsoft.com/office/powerpoint/2010/main" val="1718520147"/>
+        <p14:creationId xmlns:p14="http://schemas.microsoft.com/office/powerpoint/2010/main" val="2132049378"/>
       </p:ext>
     </p:extLst>
   </p:cSld>
@@ -5112,159 +5773,38 @@
             <a:spLocks noGrp="1"/>
           </p:cNvSpPr>
           <p:nvPr>
-            <p:ph type="title"/>
-          </p:nvPr>
-        </p:nvSpPr>
-        <p:spPr/>
-        <p:txBody>
-          <a:bodyPr/>
-          <a:lstStyle/>
-          <a:p>
-            <a:r>
-              <a:rPr lang="en-US" dirty="0" smtClean="0"/>
-              <a:t>Outline</a:t>
-            </a:r>
-            <a:endParaRPr lang="en-US" dirty="0"/>
-          </a:p>
-        </p:txBody>
-      </p:sp>
-      <p:sp>
-        <p:nvSpPr>
-          <p:cNvPr id="3" name="Content Placeholder 2"/>
-          <p:cNvSpPr>
-            <a:spLocks noGrp="1"/>
-          </p:cNvSpPr>
-          <p:nvPr>
-            <p:ph idx="1"/>
+            <p:ph type="ctrTitle"/>
           </p:nvPr>
         </p:nvSpPr>
         <p:spPr>
           <a:xfrm>
-            <a:off x="361950" y="1657350"/>
-            <a:ext cx="8610600" cy="4373563"/>
+            <a:off x="190501" y="276226"/>
+            <a:ext cx="8651874" cy="1247774"/>
           </a:xfrm>
         </p:spPr>
         <p:txBody>
-          <a:bodyPr>
-            <a:normAutofit fontScale="92500" lnSpcReduction="20000"/>
-          </a:bodyPr>
-          <a:lstStyle/>
-          <a:p>
-            <a:pPr marL="457200" indent="-457200">
-              <a:buFont typeface="Wingdings" charset="2"/>
-              <a:buChar char="§"/>
-            </a:pPr>
-            <a:r>
-              <a:rPr lang="en-US" sz="3200" b="0" dirty="0" smtClean="0">
-                <a:cs typeface="Times New Roman"/>
+          <a:bodyPr/>
+          <a:lstStyle/>
+          <a:p>
+            <a:r>
+              <a:rPr lang="en-US" sz="3600" dirty="0" smtClean="0">
+                <a:solidFill>
+                  <a:srgbClr val="FF0000"/>
+                </a:solidFill>
               </a:rPr>
-              <a:t>Introduction</a:t>
-            </a:r>
-          </a:p>
-          <a:p>
-            <a:pPr marL="457200" indent="-457200">
-              <a:buFont typeface="Wingdings" charset="2"/>
-              <a:buChar char="§"/>
-            </a:pPr>
-            <a:r>
-              <a:rPr lang="en-US" sz="3200" b="0" dirty="0" smtClean="0">
-                <a:cs typeface="Times New Roman"/>
-              </a:rPr>
-              <a:t>Motivation</a:t>
-            </a:r>
-            <a:endParaRPr lang="en-US" sz="3200" b="0" dirty="0" smtClean="0">
-              <a:cs typeface="Times New Roman"/>
+              <a:t>Acknowledgment </a:t>
+            </a:r>
+            <a:endParaRPr lang="en-US" sz="3600" dirty="0">
+              <a:solidFill>
+                <a:srgbClr val="FF0000"/>
+              </a:solidFill>
             </a:endParaRPr>
           </a:p>
-          <a:p>
-            <a:pPr marL="457200" indent="-457200">
-              <a:buFont typeface="Wingdings" charset="2"/>
-              <a:buChar char="§"/>
-            </a:pPr>
-            <a:r>
-              <a:rPr lang="en-US" sz="3200" b="0" dirty="0" err="1" smtClean="0">
-                <a:cs typeface="Times New Roman"/>
-              </a:rPr>
-              <a:t>OpenUH</a:t>
-            </a:r>
-            <a:r>
-              <a:rPr lang="en-US" sz="3200" b="0" dirty="0" smtClean="0">
-                <a:cs typeface="Times New Roman"/>
-              </a:rPr>
-              <a:t> Compiler</a:t>
-            </a:r>
-            <a:endParaRPr lang="en-US" sz="3200" b="0" dirty="0" smtClean="0">
-              <a:cs typeface="Times New Roman"/>
-            </a:endParaRPr>
-          </a:p>
-          <a:p>
-            <a:pPr marL="457200" indent="-457200">
-              <a:buFont typeface="Wingdings" charset="2"/>
-              <a:buChar char="§"/>
-            </a:pPr>
-            <a:r>
-              <a:rPr lang="en-US" sz="3200" b="0" dirty="0" smtClean="0">
-                <a:cs typeface="Times New Roman"/>
-              </a:rPr>
-              <a:t>Current Analyses</a:t>
-            </a:r>
-          </a:p>
-          <a:p>
-            <a:pPr marL="457200" indent="-457200">
-              <a:buFont typeface="Wingdings" charset="2"/>
-              <a:buChar char="§"/>
-            </a:pPr>
-            <a:r>
-              <a:rPr lang="en-US" sz="3200" b="0" dirty="0" smtClean="0">
-                <a:cs typeface="Times New Roman"/>
-              </a:rPr>
-              <a:t>How to install </a:t>
-            </a:r>
-          </a:p>
-          <a:p>
-            <a:pPr marL="457200" indent="-457200">
-              <a:buFont typeface="Wingdings" charset="2"/>
-              <a:buChar char="§"/>
-            </a:pPr>
-            <a:r>
-              <a:rPr lang="en-US" sz="3200" b="0" dirty="0" smtClean="0">
-                <a:cs typeface="Times New Roman"/>
-              </a:rPr>
-              <a:t>How to use (Demo)</a:t>
-            </a:r>
-          </a:p>
-          <a:p>
-            <a:pPr marL="457200" indent="-457200">
-              <a:buFont typeface="Wingdings" charset="2"/>
-              <a:buChar char="§"/>
-            </a:pPr>
-            <a:r>
-              <a:rPr lang="en-US" sz="3200" b="0" dirty="0" smtClean="0">
-                <a:cs typeface="Times New Roman"/>
-              </a:rPr>
-              <a:t>Conclusion</a:t>
-            </a:r>
-          </a:p>
-          <a:p>
-            <a:pPr marL="457200" indent="-457200">
-              <a:buFont typeface="Wingdings" charset="2"/>
-              <a:buChar char="§"/>
-            </a:pPr>
-            <a:r>
-              <a:rPr lang="en-US" sz="3200" b="0" dirty="0" smtClean="0">
-                <a:cs typeface="Times New Roman"/>
-              </a:rPr>
-              <a:t>Future Work </a:t>
-            </a:r>
-            <a:endParaRPr lang="en-US" sz="3200" b="0" dirty="0">
-              <a:cs typeface="Times New Roman"/>
-            </a:endParaRPr>
-          </a:p>
-        </p:txBody>
-      </p:sp>
-      <p:sp>
-        <p:nvSpPr>
-          <p:cNvPr id="5" name="Slide Number Placeholder 4"/>
+        </p:txBody>
+      </p:sp>
+      <p:sp>
+        <p:nvSpPr>
+          <p:cNvPr id="6" name="Slide Number Placeholder 5"/>
           <p:cNvSpPr>
             <a:spLocks noGrp="1"/>
           </p:cNvSpPr>
@@ -5272,7 +5812,12 @@
             <p:ph type="sldNum" sz="quarter" idx="12"/>
           </p:nvPr>
         </p:nvSpPr>
-        <p:spPr/>
+        <p:spPr>
+          <a:xfrm rot="16200000">
+            <a:off x="8227377" y="6060122"/>
+            <a:ext cx="1315721" cy="365125"/>
+          </a:xfrm>
+        </p:spPr>
         <p:txBody>
           <a:bodyPr/>
           <a:lstStyle/>
@@ -5282,14 +5827,135 @@
               <a:pPr/>
               <a:t>2</a:t>
             </a:fld>
-            <a:endParaRPr lang="en-US"/>
+            <a:endParaRPr lang="en-US" dirty="0"/>
+          </a:p>
+        </p:txBody>
+      </p:sp>
+      <p:pic>
+        <p:nvPicPr>
+          <p:cNvPr id="4" name="Picture 3"/>
+          <p:cNvPicPr>
+            <a:picLocks noChangeAspect="1"/>
+          </p:cNvPicPr>
+          <p:nvPr/>
+        </p:nvPicPr>
+        <p:blipFill>
+          <a:blip r:embed="rId2"/>
+          <a:stretch>
+            <a:fillRect/>
+          </a:stretch>
+        </p:blipFill>
+        <p:spPr>
+          <a:xfrm>
+            <a:off x="5454650" y="1332630"/>
+            <a:ext cx="3387725" cy="1740769"/>
+          </a:xfrm>
+          <a:prstGeom prst="rect">
+            <a:avLst/>
+          </a:prstGeom>
+        </p:spPr>
+      </p:pic>
+      <p:pic>
+        <p:nvPicPr>
+          <p:cNvPr id="5" name="Picture 4"/>
+          <p:cNvPicPr>
+            <a:picLocks noChangeAspect="1"/>
+          </p:cNvPicPr>
+          <p:nvPr/>
+        </p:nvPicPr>
+        <p:blipFill>
+          <a:blip r:embed="rId3"/>
+          <a:stretch>
+            <a:fillRect/>
+          </a:stretch>
+        </p:blipFill>
+        <p:spPr>
+          <a:xfrm>
+            <a:off x="190501" y="1332630"/>
+            <a:ext cx="2746374" cy="2746374"/>
+          </a:xfrm>
+          <a:prstGeom prst="rect">
+            <a:avLst/>
+          </a:prstGeom>
+        </p:spPr>
+      </p:pic>
+      <p:pic>
+        <p:nvPicPr>
+          <p:cNvPr id="9" name="Picture 8"/>
+          <p:cNvPicPr>
+            <a:picLocks noChangeAspect="1"/>
+          </p:cNvPicPr>
+          <p:nvPr/>
+        </p:nvPicPr>
+        <p:blipFill>
+          <a:blip r:embed="rId4"/>
+          <a:stretch>
+            <a:fillRect/>
+          </a:stretch>
+        </p:blipFill>
+        <p:spPr>
+          <a:xfrm>
+            <a:off x="2936875" y="3577988"/>
+            <a:ext cx="3857625" cy="1002032"/>
+          </a:xfrm>
+          <a:prstGeom prst="rect">
+            <a:avLst/>
+          </a:prstGeom>
+        </p:spPr>
+      </p:pic>
+      <p:sp>
+        <p:nvSpPr>
+          <p:cNvPr id="10" name="Rectangle 9"/>
+          <p:cNvSpPr/>
+          <p:nvPr/>
+        </p:nvSpPr>
+        <p:spPr>
+          <a:xfrm>
+            <a:off x="523877" y="5191800"/>
+            <a:ext cx="8096248" cy="1190069"/>
+          </a:xfrm>
+          <a:prstGeom prst="rect">
+            <a:avLst/>
+          </a:prstGeom>
+        </p:spPr>
+        <p:txBody>
+          <a:bodyPr wrap="square">
+            <a:spAutoFit/>
+          </a:bodyPr>
+          <a:lstStyle/>
+          <a:p>
+            <a:pPr>
+              <a:lnSpc>
+                <a:spcPct val="120000"/>
+              </a:lnSpc>
+            </a:pPr>
+            <a:r>
+              <a:rPr lang="en-US" sz="2000" b="1" dirty="0"/>
+              <a:t>The </a:t>
+            </a:r>
+            <a:r>
+              <a:rPr lang="en-US" sz="2000" b="1" dirty="0" err="1"/>
+              <a:t>OpenSHMEM</a:t>
+            </a:r>
+            <a:r>
+              <a:rPr lang="en-US" sz="2000" b="1" dirty="0"/>
+              <a:t> Analyzer is an on-going research project developed collaboratively by </a:t>
+            </a:r>
+            <a:r>
+              <a:rPr lang="en-US" sz="2000" b="1" dirty="0" smtClean="0"/>
+              <a:t>Oak Ridge </a:t>
+            </a:r>
+            <a:r>
+              <a:rPr lang="en-US" sz="2000" b="1" dirty="0"/>
+              <a:t>National Laboratories and the University of Houston, with funding from DOD.</a:t>
+            </a:r>
           </a:p>
         </p:txBody>
       </p:sp>
     </p:spTree>
     <p:extLst>
       <p:ext uri="{BB962C8B-B14F-4D97-AF65-F5344CB8AC3E}">
-        <p14:creationId xmlns:p14="http://schemas.microsoft.com/office/powerpoint/2010/main" val="1183176104"/>
+        <p14:creationId xmlns:p14="http://schemas.microsoft.com/office/powerpoint/2010/main" val="276723984"/>
       </p:ext>
     </p:extLst>
   </p:cSld>
@@ -5340,7 +6006,7 @@
           <a:p>
             <a:r>
               <a:rPr lang="en-US" dirty="0" smtClean="0"/>
-              <a:t>Introduction</a:t>
+              <a:t>Outline</a:t>
             </a:r>
             <a:endParaRPr lang="en-US" dirty="0"/>
           </a:p>
@@ -5364,7 +6030,7 @@
         </p:spPr>
         <p:txBody>
           <a:bodyPr>
-            <a:normAutofit/>
+            <a:normAutofit fontScale="92500" lnSpcReduction="20000"/>
           </a:bodyPr>
           <a:lstStyle/>
           <a:p>
@@ -5376,7 +6042,7 @@
               <a:rPr lang="en-US" sz="3200" b="0" dirty="0" smtClean="0">
                 <a:cs typeface="Times New Roman"/>
               </a:rPr>
-              <a:t>PGAS memory model</a:t>
+              <a:t>Introduction</a:t>
             </a:r>
           </a:p>
           <a:p>
@@ -5384,11 +6050,90 @@
               <a:buFont typeface="Wingdings" charset="2"/>
               <a:buChar char="§"/>
             </a:pPr>
-            <a:endParaRPr lang="en-US" sz="3200" b="0" dirty="0">
-              <a:cs typeface="Times New Roman"/>
-            </a:endParaRPr>
-          </a:p>
-          <a:p>
+            <a:r>
+              <a:rPr lang="en-US" sz="3200" b="0" dirty="0" smtClean="0">
+                <a:cs typeface="Times New Roman"/>
+              </a:rPr>
+              <a:t>Motivation</a:t>
+            </a:r>
+          </a:p>
+          <a:p>
+            <a:pPr marL="457200" indent="-457200">
+              <a:buFont typeface="Wingdings" charset="2"/>
+              <a:buChar char="§"/>
+            </a:pPr>
+            <a:r>
+              <a:rPr lang="en-US" sz="3200" b="0" dirty="0" err="1" smtClean="0">
+                <a:cs typeface="Times New Roman"/>
+              </a:rPr>
+              <a:t>OpenUH</a:t>
+            </a:r>
+            <a:r>
+              <a:rPr lang="en-US" sz="3200" b="0" dirty="0" smtClean="0">
+                <a:cs typeface="Times New Roman"/>
+              </a:rPr>
+              <a:t> Compiler</a:t>
+            </a:r>
+          </a:p>
+          <a:p>
+            <a:pPr marL="457200" indent="-457200">
+              <a:buFont typeface="Wingdings" charset="2"/>
+              <a:buChar char="§"/>
+            </a:pPr>
+            <a:r>
+              <a:rPr lang="en-US" sz="3200" b="0" dirty="0" smtClean="0">
+                <a:cs typeface="Times New Roman"/>
+              </a:rPr>
+              <a:t>Current Analyses</a:t>
+            </a:r>
+          </a:p>
+          <a:p>
+            <a:pPr marL="457200" indent="-457200">
+              <a:buFont typeface="Wingdings" charset="2"/>
+              <a:buChar char="§"/>
+            </a:pPr>
+            <a:r>
+              <a:rPr lang="en-US" sz="3200" b="0" dirty="0" smtClean="0">
+                <a:cs typeface="Times New Roman"/>
+              </a:rPr>
+              <a:t>How to install </a:t>
+            </a:r>
+          </a:p>
+          <a:p>
+            <a:pPr marL="457200" indent="-457200">
+              <a:buFont typeface="Wingdings" charset="2"/>
+              <a:buChar char="§"/>
+            </a:pPr>
+            <a:r>
+              <a:rPr lang="en-US" sz="3200" b="0" dirty="0" smtClean="0">
+                <a:cs typeface="Times New Roman"/>
+              </a:rPr>
+              <a:t>How to use (Demo)</a:t>
+            </a:r>
+          </a:p>
+          <a:p>
+            <a:pPr marL="457200" indent="-457200">
+              <a:buFont typeface="Wingdings" charset="2"/>
+              <a:buChar char="§"/>
+            </a:pPr>
+            <a:r>
+              <a:rPr lang="en-US" sz="3200" b="0" dirty="0" smtClean="0">
+                <a:cs typeface="Times New Roman"/>
+              </a:rPr>
+              <a:t>Conclusion</a:t>
+            </a:r>
+          </a:p>
+          <a:p>
+            <a:pPr marL="457200" indent="-457200">
+              <a:buFont typeface="Wingdings" charset="2"/>
+              <a:buChar char="§"/>
+            </a:pPr>
+            <a:r>
+              <a:rPr lang="en-US" sz="3200" b="0" dirty="0" smtClean="0">
+                <a:cs typeface="Times New Roman"/>
+              </a:rPr>
+              <a:t>Future Work </a:t>
+            </a:r>
             <a:endParaRPr lang="en-US" sz="3200" b="0" dirty="0">
               <a:cs typeface="Times New Roman"/>
             </a:endParaRPr>
@@ -5422,7 +6167,7 @@
     </p:spTree>
     <p:extLst>
       <p:ext uri="{BB962C8B-B14F-4D97-AF65-F5344CB8AC3E}">
-        <p14:creationId xmlns:p14="http://schemas.microsoft.com/office/powerpoint/2010/main" val="4235838217"/>
+        <p14:creationId xmlns:p14="http://schemas.microsoft.com/office/powerpoint/2010/main" val="1183176104"/>
       </p:ext>
     </p:extLst>
   </p:cSld>
@@ -5473,7 +6218,7 @@
           <a:p>
             <a:r>
               <a:rPr lang="en-US" dirty="0" smtClean="0"/>
-              <a:t>Motivation</a:t>
+              <a:t>Introduction</a:t>
             </a:r>
             <a:endParaRPr lang="en-US" dirty="0"/>
           </a:p>
@@ -5481,22 +6226,23 @@
       </p:sp>
       <p:sp>
         <p:nvSpPr>
-          <p:cNvPr id="6" name="Rectangle 5"/>
-          <p:cNvSpPr/>
-          <p:nvPr/>
+          <p:cNvPr id="3" name="Content Placeholder 2"/>
+          <p:cNvSpPr>
+            <a:spLocks noGrp="1"/>
+          </p:cNvSpPr>
+          <p:nvPr>
+            <p:ph idx="1"/>
+          </p:nvPr>
         </p:nvSpPr>
         <p:spPr>
           <a:xfrm>
-            <a:off x="-3177" y="1771532"/>
-            <a:ext cx="8401051" cy="3539431"/>
+            <a:off x="361950" y="1657350"/>
+            <a:ext cx="8610600" cy="4373563"/>
           </a:xfrm>
-          <a:prstGeom prst="rect">
-            <a:avLst/>
-          </a:prstGeom>
         </p:spPr>
         <p:txBody>
-          <a:bodyPr wrap="square">
-            <a:spAutoFit/>
+          <a:bodyPr>
+            <a:normAutofit/>
           </a:bodyPr>
           <a:lstStyle/>
           <a:p>
@@ -5505,16 +6251,10 @@
               <a:buChar char="§"/>
             </a:pPr>
             <a:r>
-              <a:rPr lang="en-US" sz="2800" dirty="0" smtClean="0"/>
-              <a:t>Source </a:t>
-            </a:r>
-            <a:r>
-              <a:rPr lang="en-US" sz="2800" dirty="0"/>
-              <a:t>code analysis and correctness checks capabilities to the </a:t>
-            </a:r>
-            <a:r>
-              <a:rPr lang="en-US" sz="2800" dirty="0" smtClean="0"/>
-              <a:t>user</a:t>
+              <a:rPr lang="en-US" sz="3200" b="0" dirty="0" smtClean="0">
+                <a:cs typeface="Times New Roman"/>
+              </a:rPr>
+              <a:t>PGAS memory model</a:t>
             </a:r>
           </a:p>
           <a:p>
@@ -5522,71 +6262,20 @@
               <a:buFont typeface="Wingdings" charset="2"/>
               <a:buChar char="§"/>
             </a:pPr>
-            <a:r>
-              <a:rPr lang="en-US" sz="2800" dirty="0" smtClean="0"/>
-              <a:t>A </a:t>
-            </a:r>
-            <a:r>
-              <a:rPr lang="en-US" sz="2800" dirty="0"/>
-              <a:t>range of information about the source program in textual or graphical </a:t>
-            </a:r>
-            <a:r>
-              <a:rPr lang="en-US" sz="2800" dirty="0" smtClean="0"/>
-              <a:t>format</a:t>
-            </a:r>
-            <a:endParaRPr lang="en-US" sz="2800" dirty="0"/>
-          </a:p>
-          <a:p>
-            <a:pPr marL="285750" indent="-285750">
-              <a:buFont typeface="Wingdings" charset="2"/>
-              <a:buChar char="§"/>
-            </a:pPr>
-            <a:r>
-              <a:rPr lang="en-US" sz="2800" dirty="0" smtClean="0"/>
-              <a:t>Implementation </a:t>
-            </a:r>
-            <a:r>
-              <a:rPr lang="en-US" sz="2800" dirty="0"/>
-              <a:t>of </a:t>
-            </a:r>
-            <a:r>
-              <a:rPr lang="en-US" sz="2800" dirty="0" err="1"/>
-              <a:t>OpenSHMEM</a:t>
-            </a:r>
-            <a:r>
-              <a:rPr lang="en-US" sz="2800" dirty="0"/>
-              <a:t>-aware compiler within </a:t>
-            </a:r>
-            <a:r>
-              <a:rPr lang="en-US" sz="2800" dirty="0" err="1"/>
-              <a:t>OpenUH</a:t>
-            </a:r>
-            <a:endParaRPr lang="en-US" sz="2800" dirty="0"/>
-          </a:p>
-          <a:p>
-            <a:pPr marL="285750" indent="-285750">
-              <a:buFont typeface="Wingdings" charset="2"/>
-              <a:buChar char="§"/>
-            </a:pPr>
-            <a:r>
-              <a:rPr lang="en-US" sz="2800" dirty="0"/>
-              <a:t>Intra-and Inter-procedural analysis (-IPA) </a:t>
-            </a:r>
-          </a:p>
-          <a:p>
-            <a:pPr marL="457200" indent="-457200">
-              <a:buFont typeface="Wingdings" charset="2"/>
-              <a:buChar char="§"/>
-            </a:pPr>
-            <a:endParaRPr lang="en-US" sz="2800" dirty="0">
+            <a:endParaRPr lang="en-US" sz="3200" b="0" dirty="0">
               <a:cs typeface="Times New Roman"/>
             </a:endParaRPr>
           </a:p>
-        </p:txBody>
-      </p:sp>
-      <p:sp>
-        <p:nvSpPr>
-          <p:cNvPr id="9" name="Slide Number Placeholder 8"/>
+          <a:p>
+            <a:endParaRPr lang="en-US" sz="3200" b="0" dirty="0">
+              <a:cs typeface="Times New Roman"/>
+            </a:endParaRPr>
+          </a:p>
+        </p:txBody>
+      </p:sp>
+      <p:sp>
+        <p:nvSpPr>
+          <p:cNvPr id="5" name="Slide Number Placeholder 4"/>
           <p:cNvSpPr>
             <a:spLocks noGrp="1"/>
           </p:cNvSpPr>
@@ -5604,14 +6293,14 @@
               <a:pPr/>
               <a:t>4</a:t>
             </a:fld>
-            <a:endParaRPr lang="en-US" dirty="0"/>
+            <a:endParaRPr lang="en-US"/>
           </a:p>
         </p:txBody>
       </p:sp>
     </p:spTree>
     <p:extLst>
       <p:ext uri="{BB962C8B-B14F-4D97-AF65-F5344CB8AC3E}">
-        <p14:creationId xmlns:p14="http://schemas.microsoft.com/office/powerpoint/2010/main" val="1238057339"/>
+        <p14:creationId xmlns:p14="http://schemas.microsoft.com/office/powerpoint/2010/main" val="4235838217"/>
       </p:ext>
     </p:extLst>
   </p:cSld>
@@ -5661,14 +6350,104 @@
           <a:lstStyle/>
           <a:p>
             <a:r>
-              <a:rPr lang="en-US" dirty="0" err="1" smtClean="0"/>
-              <a:t>OpenUH</a:t>
-            </a:r>
-            <a:r>
               <a:rPr lang="en-US" dirty="0" smtClean="0"/>
-              <a:t> compiler</a:t>
+              <a:t>Motivation</a:t>
             </a:r>
             <a:endParaRPr lang="en-US" dirty="0"/>
+          </a:p>
+        </p:txBody>
+      </p:sp>
+      <p:sp>
+        <p:nvSpPr>
+          <p:cNvPr id="6" name="Rectangle 5"/>
+          <p:cNvSpPr/>
+          <p:nvPr/>
+        </p:nvSpPr>
+        <p:spPr>
+          <a:xfrm>
+            <a:off x="-3177" y="1771532"/>
+            <a:ext cx="8401051" cy="3180358"/>
+          </a:xfrm>
+          <a:prstGeom prst="rect">
+            <a:avLst/>
+          </a:prstGeom>
+        </p:spPr>
+        <p:txBody>
+          <a:bodyPr wrap="square">
+            <a:spAutoFit/>
+          </a:bodyPr>
+          <a:lstStyle/>
+          <a:p>
+            <a:pPr marL="457200" indent="-457200">
+              <a:lnSpc>
+                <a:spcPct val="120000"/>
+              </a:lnSpc>
+              <a:buFont typeface="Wingdings" charset="2"/>
+              <a:buChar char="§"/>
+            </a:pPr>
+            <a:r>
+              <a:rPr lang="en-US" sz="2800" dirty="0" smtClean="0"/>
+              <a:t>Source </a:t>
+            </a:r>
+            <a:r>
+              <a:rPr lang="en-US" sz="2800" dirty="0"/>
+              <a:t>code analysis and correctness checks capabilities to the </a:t>
+            </a:r>
+            <a:r>
+              <a:rPr lang="en-US" sz="2800" dirty="0" smtClean="0"/>
+              <a:t>user</a:t>
+            </a:r>
+          </a:p>
+          <a:p>
+            <a:pPr marL="457200" indent="-457200">
+              <a:lnSpc>
+                <a:spcPct val="120000"/>
+              </a:lnSpc>
+              <a:buFont typeface="Wingdings" charset="2"/>
+              <a:buChar char="§"/>
+            </a:pPr>
+            <a:r>
+              <a:rPr lang="en-US" sz="2800" dirty="0" smtClean="0"/>
+              <a:t>A </a:t>
+            </a:r>
+            <a:r>
+              <a:rPr lang="en-US" sz="2800" dirty="0"/>
+              <a:t>range of information about the source program in textual or graphical </a:t>
+            </a:r>
+            <a:r>
+              <a:rPr lang="en-US" sz="2800" dirty="0" smtClean="0"/>
+              <a:t>format</a:t>
+            </a:r>
+          </a:p>
+          <a:p>
+            <a:pPr marL="457200" indent="-457200">
+              <a:lnSpc>
+                <a:spcPct val="120000"/>
+              </a:lnSpc>
+              <a:buFont typeface="Wingdings" charset="2"/>
+              <a:buChar char="§"/>
+            </a:pPr>
+            <a:r>
+              <a:rPr lang="en-US" sz="2800" dirty="0" smtClean="0"/>
+              <a:t>Errors and </a:t>
+            </a:r>
+            <a:r>
+              <a:rPr lang="en-US" sz="2800" dirty="0"/>
+              <a:t>inefficiencies</a:t>
+            </a:r>
+            <a:r>
+              <a:rPr lang="en-US" sz="2800" dirty="0" smtClean="0"/>
+              <a:t> detection in </a:t>
+            </a:r>
+            <a:r>
+              <a:rPr lang="en-US" sz="2800" dirty="0" err="1" smtClean="0"/>
+              <a:t>OpenSHMEM</a:t>
+            </a:r>
+            <a:r>
+              <a:rPr lang="en-US" sz="2800" dirty="0" smtClean="0"/>
+              <a:t> programs</a:t>
+            </a:r>
+            <a:endParaRPr lang="en-US" sz="2800" dirty="0"/>
           </a:p>
         </p:txBody>
       </p:sp>
@@ -5696,66 +6475,10 @@
           </a:p>
         </p:txBody>
       </p:sp>
-      <p:sp>
-        <p:nvSpPr>
-          <p:cNvPr id="3" name="TextBox 2"/>
-          <p:cNvSpPr txBox="1"/>
-          <p:nvPr/>
-        </p:nvSpPr>
-        <p:spPr>
-          <a:xfrm>
-            <a:off x="2254250" y="2905125"/>
-            <a:ext cx="184666" cy="369332"/>
-          </a:xfrm>
-          <a:prstGeom prst="rect">
-            <a:avLst/>
-          </a:prstGeom>
-          <a:noFill/>
-        </p:spPr>
-        <p:txBody>
-          <a:bodyPr wrap="none" rtlCol="0">
-            <a:spAutoFit/>
-          </a:bodyPr>
-          <a:lstStyle/>
-          <a:p>
-            <a:endParaRPr lang="en-US" dirty="0"/>
-          </a:p>
-        </p:txBody>
-      </p:sp>
-      <p:sp>
-        <p:nvSpPr>
-          <p:cNvPr id="7" name="Content Placeholder 2"/>
-          <p:cNvSpPr>
-            <a:spLocks noGrp="1"/>
-          </p:cNvSpPr>
-          <p:nvPr>
-            <p:ph idx="1"/>
-          </p:nvPr>
-        </p:nvSpPr>
-        <p:spPr>
-          <a:xfrm>
-            <a:off x="154669" y="1932398"/>
-            <a:ext cx="8229600" cy="4533900"/>
-          </a:xfrm>
-        </p:spPr>
-        <p:txBody>
-          <a:bodyPr>
-            <a:normAutofit/>
-          </a:bodyPr>
-          <a:lstStyle/>
-          <a:p>
-            <a:pPr marL="285750" indent="-285750">
-              <a:buFont typeface="Wingdings" charset="2"/>
-              <a:buChar char="§"/>
-            </a:pPr>
-            <a:endParaRPr lang="en-US" sz="1400" dirty="0" smtClean="0"/>
-          </a:p>
-        </p:txBody>
-      </p:sp>
     </p:spTree>
     <p:extLst>
       <p:ext uri="{BB962C8B-B14F-4D97-AF65-F5344CB8AC3E}">
-        <p14:creationId xmlns:p14="http://schemas.microsoft.com/office/powerpoint/2010/main" val="2689653601"/>
+        <p14:creationId xmlns:p14="http://schemas.microsoft.com/office/powerpoint/2010/main" val="1238057339"/>
       </p:ext>
     </p:extLst>
   </p:cSld>
@@ -5791,6 +6514,343 @@
       </p:grpSpPr>
       <p:sp>
         <p:nvSpPr>
+          <p:cNvPr id="2" name="Title 1"/>
+          <p:cNvSpPr>
+            <a:spLocks noGrp="1"/>
+          </p:cNvSpPr>
+          <p:nvPr>
+            <p:ph type="title"/>
+          </p:nvPr>
+        </p:nvSpPr>
+        <p:spPr/>
+        <p:txBody>
+          <a:bodyPr/>
+          <a:lstStyle/>
+          <a:p>
+            <a:r>
+              <a:rPr lang="en-US" dirty="0" smtClean="0"/>
+              <a:t>Features</a:t>
+            </a:r>
+            <a:endParaRPr lang="en-US" dirty="0"/>
+          </a:p>
+        </p:txBody>
+      </p:sp>
+      <p:sp>
+        <p:nvSpPr>
+          <p:cNvPr id="6" name="Rectangle 5"/>
+          <p:cNvSpPr/>
+          <p:nvPr/>
+        </p:nvSpPr>
+        <p:spPr>
+          <a:xfrm>
+            <a:off x="-3177" y="1771532"/>
+            <a:ext cx="8401051" cy="3180358"/>
+          </a:xfrm>
+          <a:prstGeom prst="rect">
+            <a:avLst/>
+          </a:prstGeom>
+        </p:spPr>
+        <p:txBody>
+          <a:bodyPr wrap="square">
+            <a:spAutoFit/>
+          </a:bodyPr>
+          <a:lstStyle/>
+          <a:p>
+            <a:pPr marL="457200" indent="-457200">
+              <a:lnSpc>
+                <a:spcPct val="120000"/>
+              </a:lnSpc>
+              <a:buFont typeface="Wingdings" charset="2"/>
+              <a:buChar char="§"/>
+            </a:pPr>
+            <a:r>
+              <a:rPr lang="en-US" sz="2800" dirty="0" smtClean="0"/>
+              <a:t>Implementation </a:t>
+            </a:r>
+            <a:r>
+              <a:rPr lang="en-US" sz="2800" dirty="0"/>
+              <a:t>of </a:t>
+            </a:r>
+            <a:r>
+              <a:rPr lang="en-US" sz="2800" dirty="0" err="1"/>
+              <a:t>OpenSHMEM</a:t>
+            </a:r>
+            <a:r>
+              <a:rPr lang="en-US" sz="2800" dirty="0"/>
+              <a:t>-aware compiler within </a:t>
+            </a:r>
+            <a:r>
+              <a:rPr lang="en-US" sz="2800" dirty="0" err="1" smtClean="0"/>
+              <a:t>OpenUH</a:t>
+            </a:r>
+            <a:endParaRPr lang="en-US" sz="2800" dirty="0"/>
+          </a:p>
+          <a:p>
+            <a:pPr marL="457200" indent="-457200">
+              <a:lnSpc>
+                <a:spcPct val="120000"/>
+              </a:lnSpc>
+              <a:buFont typeface="Wingdings" charset="2"/>
+              <a:buChar char="§"/>
+            </a:pPr>
+            <a:r>
+              <a:rPr lang="en-US" sz="2800" dirty="0" smtClean="0"/>
+              <a:t>Intra</a:t>
+            </a:r>
+            <a:r>
+              <a:rPr lang="en-US" sz="2800" dirty="0"/>
+              <a:t>-and Inter-procedural analysis (-IPA) </a:t>
+            </a:r>
+            <a:endParaRPr lang="en-US" sz="2800" dirty="0" smtClean="0"/>
+          </a:p>
+          <a:p>
+            <a:pPr marL="457200" indent="-457200">
+              <a:lnSpc>
+                <a:spcPct val="120000"/>
+              </a:lnSpc>
+              <a:buFont typeface="Wingdings" charset="2"/>
+              <a:buChar char="§"/>
+            </a:pPr>
+            <a:r>
+              <a:rPr lang="en-US" sz="2800" dirty="0" smtClean="0"/>
+              <a:t>Graphical and textual display of analyses</a:t>
+            </a:r>
+          </a:p>
+          <a:p>
+            <a:pPr marL="457200" indent="-457200">
+              <a:lnSpc>
+                <a:spcPct val="120000"/>
+              </a:lnSpc>
+              <a:buFont typeface="Wingdings" charset="2"/>
+              <a:buChar char="§"/>
+            </a:pPr>
+            <a:r>
+              <a:rPr lang="en-US" sz="2800" dirty="0"/>
+              <a:t>Supported input languages: C/C++</a:t>
+            </a:r>
+            <a:endParaRPr lang="en-US" sz="2800" dirty="0"/>
+          </a:p>
+          <a:p>
+            <a:pPr marL="457200" indent="-457200">
+              <a:lnSpc>
+                <a:spcPct val="120000"/>
+              </a:lnSpc>
+              <a:buFont typeface="Wingdings" charset="2"/>
+              <a:buChar char="§"/>
+            </a:pPr>
+            <a:endParaRPr lang="en-US" sz="2800" dirty="0">
+              <a:cs typeface="Times New Roman"/>
+            </a:endParaRPr>
+          </a:p>
+        </p:txBody>
+      </p:sp>
+      <p:sp>
+        <p:nvSpPr>
+          <p:cNvPr id="9" name="Slide Number Placeholder 8"/>
+          <p:cNvSpPr>
+            <a:spLocks noGrp="1"/>
+          </p:cNvSpPr>
+          <p:nvPr>
+            <p:ph type="sldNum" sz="quarter" idx="12"/>
+          </p:nvPr>
+        </p:nvSpPr>
+        <p:spPr/>
+        <p:txBody>
+          <a:bodyPr/>
+          <a:lstStyle/>
+          <a:p>
+            <a:fld id="{F38DF745-7D3F-47F4-83A3-874385CFAA69}" type="slidenum">
+              <a:rPr lang="en-US" smtClean="0"/>
+              <a:pPr/>
+              <a:t>6</a:t>
+            </a:fld>
+            <a:endParaRPr lang="en-US" dirty="0"/>
+          </a:p>
+        </p:txBody>
+      </p:sp>
+    </p:spTree>
+    <p:extLst>
+      <p:ext uri="{BB962C8B-B14F-4D97-AF65-F5344CB8AC3E}">
+        <p14:creationId xmlns:p14="http://schemas.microsoft.com/office/powerpoint/2010/main" val="1423460642"/>
+      </p:ext>
+    </p:extLst>
+  </p:cSld>
+  <p:clrMapOvr>
+    <a:masterClrMapping/>
+  </p:clrMapOvr>
+  <p:timing>
+    <p:tnLst>
+      <p:par>
+        <p:cTn xmlns:p14="http://schemas.microsoft.com/office/powerpoint/2010/main" id="1" dur="indefinite" restart="never" nodeType="tmRoot"/>
+      </p:par>
+    </p:tnLst>
+  </p:timing>
+</p:sld>
+</file>
+
+<file path=ppt/slides/slide7.xml><?xml version="1.0" encoding="utf-8"?>
+<p:sld xmlns:a="http://schemas.openxmlformats.org/drawingml/2006/main" xmlns:r="http://schemas.openxmlformats.org/officeDocument/2006/relationships" xmlns:p="http://schemas.openxmlformats.org/presentationml/2006/main">
+  <p:cSld>
+    <p:spTree>
+      <p:nvGrpSpPr>
+        <p:cNvPr id="1" name=""/>
+        <p:cNvGrpSpPr/>
+        <p:nvPr/>
+      </p:nvGrpSpPr>
+      <p:grpSpPr>
+        <a:xfrm>
+          <a:off x="0" y="0"/>
+          <a:ext cx="0" cy="0"/>
+          <a:chOff x="0" y="0"/>
+          <a:chExt cx="0" cy="0"/>
+        </a:xfrm>
+      </p:grpSpPr>
+      <p:sp>
+        <p:nvSpPr>
+          <p:cNvPr id="2" name="Title 1"/>
+          <p:cNvSpPr>
+            <a:spLocks noGrp="1"/>
+          </p:cNvSpPr>
+          <p:nvPr>
+            <p:ph type="title"/>
+          </p:nvPr>
+        </p:nvSpPr>
+        <p:spPr/>
+        <p:txBody>
+          <a:bodyPr/>
+          <a:lstStyle/>
+          <a:p>
+            <a:r>
+              <a:rPr lang="en-US" dirty="0" err="1" smtClean="0"/>
+              <a:t>OpenUH</a:t>
+            </a:r>
+            <a:r>
+              <a:rPr lang="en-US" dirty="0" smtClean="0"/>
+              <a:t> compiler</a:t>
+            </a:r>
+            <a:endParaRPr lang="en-US" dirty="0"/>
+          </a:p>
+        </p:txBody>
+      </p:sp>
+      <p:sp>
+        <p:nvSpPr>
+          <p:cNvPr id="9" name="Slide Number Placeholder 8"/>
+          <p:cNvSpPr>
+            <a:spLocks noGrp="1"/>
+          </p:cNvSpPr>
+          <p:nvPr>
+            <p:ph type="sldNum" sz="quarter" idx="12"/>
+          </p:nvPr>
+        </p:nvSpPr>
+        <p:spPr/>
+        <p:txBody>
+          <a:bodyPr/>
+          <a:lstStyle/>
+          <a:p>
+            <a:fld id="{F38DF745-7D3F-47F4-83A3-874385CFAA69}" type="slidenum">
+              <a:rPr lang="en-US" smtClean="0"/>
+              <a:pPr/>
+              <a:t>7</a:t>
+            </a:fld>
+            <a:endParaRPr lang="en-US" dirty="0"/>
+          </a:p>
+        </p:txBody>
+      </p:sp>
+      <p:sp>
+        <p:nvSpPr>
+          <p:cNvPr id="3" name="TextBox 2"/>
+          <p:cNvSpPr txBox="1"/>
+          <p:nvPr/>
+        </p:nvSpPr>
+        <p:spPr>
+          <a:xfrm>
+            <a:off x="2254250" y="2905125"/>
+            <a:ext cx="184666" cy="369332"/>
+          </a:xfrm>
+          <a:prstGeom prst="rect">
+            <a:avLst/>
+          </a:prstGeom>
+          <a:noFill/>
+        </p:spPr>
+        <p:txBody>
+          <a:bodyPr wrap="none" rtlCol="0">
+            <a:spAutoFit/>
+          </a:bodyPr>
+          <a:lstStyle/>
+          <a:p>
+            <a:endParaRPr lang="en-US" dirty="0"/>
+          </a:p>
+        </p:txBody>
+      </p:sp>
+      <p:sp>
+        <p:nvSpPr>
+          <p:cNvPr id="7" name="Content Placeholder 2"/>
+          <p:cNvSpPr>
+            <a:spLocks noGrp="1"/>
+          </p:cNvSpPr>
+          <p:nvPr>
+            <p:ph idx="1"/>
+          </p:nvPr>
+        </p:nvSpPr>
+        <p:spPr>
+          <a:xfrm>
+            <a:off x="154669" y="1932398"/>
+            <a:ext cx="8229600" cy="4533900"/>
+          </a:xfrm>
+        </p:spPr>
+        <p:txBody>
+          <a:bodyPr>
+            <a:normAutofit/>
+          </a:bodyPr>
+          <a:lstStyle/>
+          <a:p>
+            <a:pPr marL="285750" indent="-285750">
+              <a:buFont typeface="Wingdings" charset="2"/>
+              <a:buChar char="§"/>
+            </a:pPr>
+            <a:endParaRPr lang="en-US" sz="1400" dirty="0" smtClean="0"/>
+          </a:p>
+        </p:txBody>
+      </p:sp>
+    </p:spTree>
+    <p:extLst>
+      <p:ext uri="{BB962C8B-B14F-4D97-AF65-F5344CB8AC3E}">
+        <p14:creationId xmlns:p14="http://schemas.microsoft.com/office/powerpoint/2010/main" val="2689653601"/>
+      </p:ext>
+    </p:extLst>
+  </p:cSld>
+  <p:clrMapOvr>
+    <a:masterClrMapping/>
+  </p:clrMapOvr>
+  <p:timing>
+    <p:tnLst>
+      <p:par>
+        <p:cTn xmlns:p14="http://schemas.microsoft.com/office/powerpoint/2010/main" id="1" dur="indefinite" restart="never" nodeType="tmRoot"/>
+      </p:par>
+    </p:tnLst>
+  </p:timing>
+</p:sld>
+</file>
+
+<file path=ppt/slides/slide8.xml><?xml version="1.0" encoding="utf-8"?>
+<p:sld xmlns:a="http://schemas.openxmlformats.org/drawingml/2006/main" xmlns:r="http://schemas.openxmlformats.org/officeDocument/2006/relationships" xmlns:p="http://schemas.openxmlformats.org/presentationml/2006/main">
+  <p:cSld>
+    <p:spTree>
+      <p:nvGrpSpPr>
+        <p:cNvPr id="1" name=""/>
+        <p:cNvGrpSpPr/>
+        <p:nvPr/>
+      </p:nvGrpSpPr>
+      <p:grpSpPr>
+        <a:xfrm>
+          <a:off x="0" y="0"/>
+          <a:ext cx="0" cy="0"/>
+          <a:chOff x="0" y="0"/>
+          <a:chExt cx="0" cy="0"/>
+        </a:xfrm>
+      </p:grpSpPr>
+      <p:sp>
+        <p:nvSpPr>
           <p:cNvPr id="9" name="Slide Number Placeholder 8"/>
           <p:cNvSpPr>
             <a:spLocks noGrp="1"/>
@@ -5813,7 +6873,7 @@
             <a:fld id="{F38DF745-7D3F-47F4-83A3-874385CFAA69}" type="slidenum">
               <a:rPr lang="en-US" smtClean="0"/>
               <a:pPr algn="ctr"/>
-              <a:t>6</a:t>
+              <a:t>8</a:t>
             </a:fld>
             <a:endParaRPr lang="en-US" dirty="0"/>
           </a:p>
@@ -5847,11 +6907,7 @@
             </a:r>
             <a:r>
               <a:rPr lang="en-US" dirty="0" smtClean="0"/>
-              <a:t> </a:t>
-            </a:r>
-            <a:r>
-              <a:rPr lang="en-US" dirty="0" smtClean="0"/>
-              <a:t>Analyzer in </a:t>
+              <a:t> Analyzer in </a:t>
             </a:r>
             <a:r>
               <a:rPr lang="en-US" dirty="0" err="1" smtClean="0"/>
@@ -5983,15 +7039,15 @@
             </a:r>
             <a:r>
               <a:rPr lang="en-US" dirty="0" smtClean="0"/>
-              <a:t>-analyzer -</a:t>
-            </a:r>
-            <a:r>
-              <a:rPr lang="en-US" dirty="0" err="1" smtClean="0"/>
-              <a:t>ipa</a:t>
+              <a:t>-</a:t>
             </a:r>
             <a:r>
               <a:rPr lang="en-US" dirty="0" smtClean="0"/>
-              <a:t> *.-o </a:t>
+              <a:t>analyzer </a:t>
+            </a:r>
+            <a:r>
+              <a:rPr lang="en-US" dirty="0" smtClean="0"/>
+              <a:t>*.-o </a:t>
             </a:r>
             <a:endParaRPr lang="en-US" dirty="0"/>
           </a:p>
@@ -6327,7 +7383,7 @@
 </p:sld>
 </file>
 
-<file path=ppt/slides/slide7.xml><?xml version="1.0" encoding="utf-8"?>
+<file path=ppt/slides/slide9.xml><?xml version="1.0" encoding="utf-8"?>
 <p:sld xmlns:a="http://schemas.openxmlformats.org/drawingml/2006/main" xmlns:r="http://schemas.openxmlformats.org/officeDocument/2006/relationships" xmlns:p="http://schemas.openxmlformats.org/presentationml/2006/main">
   <p:cSld>
     <p:spTree>
@@ -6392,7 +7448,7 @@
             <a:fld id="{F38DF745-7D3F-47F4-83A3-874385CFAA69}" type="slidenum">
               <a:rPr lang="en-US" smtClean="0"/>
               <a:pPr/>
-              <a:t>7</a:t>
+              <a:t>9</a:t>
             </a:fld>
             <a:endParaRPr lang="en-US"/>
           </a:p>
@@ -6858,318 +7914,6 @@
     <p:extLst>
       <p:ext uri="{BB962C8B-B14F-4D97-AF65-F5344CB8AC3E}">
         <p14:creationId xmlns:p14="http://schemas.microsoft.com/office/powerpoint/2010/main" val="1775416868"/>
-      </p:ext>
-    </p:extLst>
-  </p:cSld>
-  <p:clrMapOvr>
-    <a:masterClrMapping/>
-  </p:clrMapOvr>
-  <p:timing>
-    <p:tnLst>
-      <p:par>
-        <p:cTn xmlns:p14="http://schemas.microsoft.com/office/powerpoint/2010/main" id="1" dur="indefinite" restart="never" nodeType="tmRoot"/>
-      </p:par>
-    </p:tnLst>
-  </p:timing>
-</p:sld>
-</file>
-
-<file path=ppt/slides/slide8.xml><?xml version="1.0" encoding="utf-8"?>
-<p:sld xmlns:a="http://schemas.openxmlformats.org/drawingml/2006/main" xmlns:r="http://schemas.openxmlformats.org/officeDocument/2006/relationships" xmlns:p="http://schemas.openxmlformats.org/presentationml/2006/main">
-  <p:cSld>
-    <p:spTree>
-      <p:nvGrpSpPr>
-        <p:cNvPr id="1" name=""/>
-        <p:cNvGrpSpPr/>
-        <p:nvPr/>
-      </p:nvGrpSpPr>
-      <p:grpSpPr>
-        <a:xfrm>
-          <a:off x="0" y="0"/>
-          <a:ext cx="0" cy="0"/>
-          <a:chOff x="0" y="0"/>
-          <a:chExt cx="0" cy="0"/>
-        </a:xfrm>
-      </p:grpSpPr>
-      <p:sp>
-        <p:nvSpPr>
-          <p:cNvPr id="2" name="Title 1"/>
-          <p:cNvSpPr>
-            <a:spLocks noGrp="1"/>
-          </p:cNvSpPr>
-          <p:nvPr>
-            <p:ph type="title"/>
-          </p:nvPr>
-        </p:nvSpPr>
-        <p:spPr/>
-        <p:txBody>
-          <a:bodyPr/>
-          <a:lstStyle/>
-          <a:p>
-            <a:r>
-              <a:rPr lang="en-US" dirty="0" smtClean="0"/>
-              <a:t>How to install</a:t>
-            </a:r>
-            <a:endParaRPr lang="en-US" dirty="0"/>
-          </a:p>
-        </p:txBody>
-      </p:sp>
-      <p:sp>
-        <p:nvSpPr>
-          <p:cNvPr id="9" name="Slide Number Placeholder 8"/>
-          <p:cNvSpPr>
-            <a:spLocks noGrp="1"/>
-          </p:cNvSpPr>
-          <p:nvPr>
-            <p:ph type="sldNum" sz="quarter" idx="12"/>
-          </p:nvPr>
-        </p:nvSpPr>
-        <p:spPr/>
-        <p:txBody>
-          <a:bodyPr/>
-          <a:lstStyle/>
-          <a:p>
-            <a:fld id="{F38DF745-7D3F-47F4-83A3-874385CFAA69}" type="slidenum">
-              <a:rPr lang="en-US" smtClean="0"/>
-              <a:pPr/>
-              <a:t>8</a:t>
-            </a:fld>
-            <a:endParaRPr lang="en-US" dirty="0"/>
-          </a:p>
-        </p:txBody>
-      </p:sp>
-      <p:sp>
-        <p:nvSpPr>
-          <p:cNvPr id="3" name="TextBox 2"/>
-          <p:cNvSpPr txBox="1"/>
-          <p:nvPr/>
-        </p:nvSpPr>
-        <p:spPr>
-          <a:xfrm>
-            <a:off x="2254250" y="2905125"/>
-            <a:ext cx="184666" cy="369332"/>
-          </a:xfrm>
-          <a:prstGeom prst="rect">
-            <a:avLst/>
-          </a:prstGeom>
-          <a:noFill/>
-        </p:spPr>
-        <p:txBody>
-          <a:bodyPr wrap="none" rtlCol="0">
-            <a:spAutoFit/>
-          </a:bodyPr>
-          <a:lstStyle/>
-          <a:p>
-            <a:endParaRPr lang="en-US" dirty="0"/>
-          </a:p>
-        </p:txBody>
-      </p:sp>
-      <p:sp>
-        <p:nvSpPr>
-          <p:cNvPr id="7" name="Content Placeholder 2"/>
-          <p:cNvSpPr>
-            <a:spLocks noGrp="1"/>
-          </p:cNvSpPr>
-          <p:nvPr>
-            <p:ph idx="1"/>
-          </p:nvPr>
-        </p:nvSpPr>
-        <p:spPr>
-          <a:xfrm>
-            <a:off x="154669" y="1932398"/>
-            <a:ext cx="8229600" cy="4533900"/>
-          </a:xfrm>
-        </p:spPr>
-        <p:txBody>
-          <a:bodyPr>
-            <a:normAutofit/>
-          </a:bodyPr>
-          <a:lstStyle/>
-          <a:p>
-            <a:pPr marL="285750" indent="-285750">
-              <a:buFont typeface="Wingdings" charset="2"/>
-              <a:buChar char="§"/>
-            </a:pPr>
-            <a:r>
-              <a:rPr lang="en-US" sz="1400" dirty="0" smtClean="0"/>
-              <a:t>Install </a:t>
-            </a:r>
-            <a:r>
-              <a:rPr lang="en-US" sz="1400" dirty="0" err="1" smtClean="0"/>
-              <a:t>OpenUH</a:t>
-            </a:r>
-            <a:r>
-              <a:rPr lang="en-US" sz="1400" dirty="0" smtClean="0"/>
-              <a:t> 3.0.38 (http</a:t>
-            </a:r>
-            <a:r>
-              <a:rPr lang="en-US" sz="1400" dirty="0"/>
-              <a:t>://</a:t>
-            </a:r>
-            <a:r>
-              <a:rPr lang="en-US" sz="1400" dirty="0" err="1"/>
-              <a:t>web.cs.uh.edu</a:t>
-            </a:r>
-            <a:r>
-              <a:rPr lang="en-US" sz="1400" dirty="0"/>
-              <a:t>/~</a:t>
-            </a:r>
-            <a:r>
-              <a:rPr lang="en-US" sz="1400" dirty="0" err="1"/>
-              <a:t>openuh</a:t>
-            </a:r>
-            <a:r>
-              <a:rPr lang="en-US" sz="1400" dirty="0"/>
-              <a:t>/download</a:t>
-            </a:r>
-            <a:r>
-              <a:rPr lang="en-US" sz="1400" dirty="0" smtClean="0"/>
-              <a:t>/)</a:t>
-            </a:r>
-          </a:p>
-          <a:p>
-            <a:pPr marL="285750" indent="-285750">
-              <a:buFont typeface="Wingdings" charset="2"/>
-              <a:buChar char="§"/>
-            </a:pPr>
-            <a:r>
-              <a:rPr lang="en-US" sz="1400" dirty="0" smtClean="0"/>
-              <a:t>Packages to Install:</a:t>
-            </a:r>
-          </a:p>
-          <a:p>
-            <a:pPr marL="742950" lvl="1" indent="-285750">
-              <a:buFont typeface="Wingdings" charset="2"/>
-              <a:buChar char="§"/>
-            </a:pPr>
-            <a:r>
-              <a:rPr lang="en-US" sz="1400" dirty="0" smtClean="0"/>
-              <a:t>Code2html</a:t>
-            </a:r>
-          </a:p>
-          <a:p>
-            <a:pPr marL="742950" lvl="1" indent="-285750">
-              <a:buFont typeface="Wingdings" charset="2"/>
-              <a:buChar char="§"/>
-            </a:pPr>
-            <a:r>
-              <a:rPr lang="en-US" sz="1400" dirty="0" err="1" smtClean="0"/>
-              <a:t>Graphviz</a:t>
-            </a:r>
-            <a:endParaRPr lang="en-US" sz="1400" dirty="0" smtClean="0"/>
-          </a:p>
-          <a:p>
-            <a:pPr marL="285750" indent="-285750">
-              <a:buFont typeface="Wingdings" charset="2"/>
-              <a:buChar char="§"/>
-            </a:pPr>
-            <a:endParaRPr lang="en-US" sz="1400" dirty="0" smtClean="0"/>
-          </a:p>
-        </p:txBody>
-      </p:sp>
-    </p:spTree>
-    <p:extLst>
-      <p:ext uri="{BB962C8B-B14F-4D97-AF65-F5344CB8AC3E}">
-        <p14:creationId xmlns:p14="http://schemas.microsoft.com/office/powerpoint/2010/main" val="2806564515"/>
-      </p:ext>
-    </p:extLst>
-  </p:cSld>
-  <p:clrMapOvr>
-    <a:masterClrMapping/>
-  </p:clrMapOvr>
-  <p:timing>
-    <p:tnLst>
-      <p:par>
-        <p:cTn xmlns:p14="http://schemas.microsoft.com/office/powerpoint/2010/main" id="1" dur="indefinite" restart="never" nodeType="tmRoot"/>
-      </p:par>
-    </p:tnLst>
-  </p:timing>
-</p:sld>
-</file>
-
-<file path=ppt/slides/slide9.xml><?xml version="1.0" encoding="utf-8"?>
-<p:sld xmlns:a="http://schemas.openxmlformats.org/drawingml/2006/main" xmlns:r="http://schemas.openxmlformats.org/officeDocument/2006/relationships" xmlns:p="http://schemas.openxmlformats.org/presentationml/2006/main">
-  <p:cSld>
-    <p:spTree>
-      <p:nvGrpSpPr>
-        <p:cNvPr id="1" name=""/>
-        <p:cNvGrpSpPr/>
-        <p:nvPr/>
-      </p:nvGrpSpPr>
-      <p:grpSpPr>
-        <a:xfrm>
-          <a:off x="0" y="0"/>
-          <a:ext cx="0" cy="0"/>
-          <a:chOff x="0" y="0"/>
-          <a:chExt cx="0" cy="0"/>
-        </a:xfrm>
-      </p:grpSpPr>
-      <p:sp>
-        <p:nvSpPr>
-          <p:cNvPr id="2" name="Title 1"/>
-          <p:cNvSpPr>
-            <a:spLocks noGrp="1"/>
-          </p:cNvSpPr>
-          <p:nvPr>
-            <p:ph type="title"/>
-          </p:nvPr>
-        </p:nvSpPr>
-        <p:spPr>
-          <a:xfrm>
-            <a:off x="1044574" y="152718"/>
-            <a:ext cx="7004051" cy="1371600"/>
-          </a:xfrm>
-        </p:spPr>
-        <p:txBody>
-          <a:bodyPr>
-            <a:normAutofit/>
-          </a:bodyPr>
-          <a:lstStyle/>
-          <a:p>
-            <a:r>
-              <a:rPr lang="en-US" dirty="0" smtClean="0"/>
-              <a:t>How to use </a:t>
-            </a:r>
-            <a:r>
-              <a:rPr lang="en-US" dirty="0" err="1" smtClean="0"/>
-              <a:t>OpenSHMEM</a:t>
-            </a:r>
-            <a:r>
-              <a:rPr lang="en-US" dirty="0" smtClean="0"/>
-              <a:t> Analyzer (Demo)</a:t>
-            </a:r>
-            <a:endParaRPr lang="en-US" dirty="0"/>
-          </a:p>
-        </p:txBody>
-      </p:sp>
-      <p:sp>
-        <p:nvSpPr>
-          <p:cNvPr id="5" name="Slide Number Placeholder 4"/>
-          <p:cNvSpPr>
-            <a:spLocks noGrp="1"/>
-          </p:cNvSpPr>
-          <p:nvPr>
-            <p:ph type="sldNum" sz="quarter" idx="12"/>
-          </p:nvPr>
-        </p:nvSpPr>
-        <p:spPr/>
-        <p:txBody>
-          <a:bodyPr/>
-          <a:lstStyle/>
-          <a:p>
-            <a:fld id="{F38DF745-7D3F-47F4-83A3-874385CFAA69}" type="slidenum">
-              <a:rPr lang="en-US" smtClean="0"/>
-              <a:pPr/>
-              <a:t>9</a:t>
-            </a:fld>
-            <a:endParaRPr lang="en-US"/>
-          </a:p>
-        </p:txBody>
-      </p:sp>
-    </p:spTree>
-    <p:extLst>
-      <p:ext uri="{BB962C8B-B14F-4D97-AF65-F5344CB8AC3E}">
-        <p14:creationId xmlns:p14="http://schemas.microsoft.com/office/powerpoint/2010/main" val="2033679312"/>
       </p:ext>
     </p:extLst>
   </p:cSld>
